--- a/PPT on Implementation of Association Rule Mining.pptx
+++ b/PPT on Implementation of Association Rule Mining.pptx
@@ -14,35 +14,37 @@
     <p:sldId id="258" r:id="rId7"/>
     <p:sldId id="259" r:id="rId8"/>
     <p:sldId id="282" r:id="rId9"/>
-    <p:sldId id="283" r:id="rId10"/>
-    <p:sldId id="279" r:id="rId11"/>
-    <p:sldId id="285" r:id="rId12"/>
-    <p:sldId id="280" r:id="rId13"/>
-    <p:sldId id="281" r:id="rId14"/>
-    <p:sldId id="260" r:id="rId15"/>
-    <p:sldId id="262" r:id="rId16"/>
-    <p:sldId id="263" r:id="rId17"/>
-    <p:sldId id="264" r:id="rId18"/>
-    <p:sldId id="265" r:id="rId19"/>
-    <p:sldId id="329" r:id="rId20"/>
-    <p:sldId id="336" r:id="rId21"/>
-    <p:sldId id="337" r:id="rId22"/>
-    <p:sldId id="338" r:id="rId23"/>
-    <p:sldId id="339" r:id="rId24"/>
-    <p:sldId id="340" r:id="rId25"/>
-    <p:sldId id="266" r:id="rId26"/>
-    <p:sldId id="267" r:id="rId27"/>
+    <p:sldId id="279" r:id="rId10"/>
+    <p:sldId id="285" r:id="rId11"/>
+    <p:sldId id="280" r:id="rId12"/>
+    <p:sldId id="260" r:id="rId13"/>
+    <p:sldId id="343" r:id="rId14"/>
+    <p:sldId id="262" r:id="rId15"/>
+    <p:sldId id="265" r:id="rId16"/>
+    <p:sldId id="329" r:id="rId17"/>
+    <p:sldId id="336" r:id="rId18"/>
+    <p:sldId id="337" r:id="rId19"/>
+    <p:sldId id="339" r:id="rId20"/>
+    <p:sldId id="340" r:id="rId21"/>
+    <p:sldId id="344" r:id="rId22"/>
+    <p:sldId id="345" r:id="rId23"/>
+    <p:sldId id="346" r:id="rId24"/>
+    <p:sldId id="347" r:id="rId25"/>
+    <p:sldId id="348" r:id="rId26"/>
+    <p:sldId id="349" r:id="rId27"/>
+    <p:sldId id="266" r:id="rId28"/>
+    <p:sldId id="267" r:id="rId29"/>
   </p:sldIdLst>
   <p:sldSz cx="9144000" cy="5143500"/>
   <p:notesSz cx="6858000" cy="9144000"/>
   <p:embeddedFontLst>
     <p:embeddedFont>
       <p:font typeface="Nunito"/>
-      <p:regular r:id="rId31"/>
+      <p:regular r:id="rId33"/>
     </p:embeddedFont>
     <p:embeddedFont>
       <p:font typeface="Calibri" panose="020F0502020204030204"/>
-      <p:regular r:id="rId32"/>
+      <p:regular r:id="rId34"/>
     </p:embeddedFont>
   </p:embeddedFontLst>
   <p:defaultTextStyle>
@@ -811,105 +813,6 @@
 </p:notes>
 </file>
 
-<file path=ppt/notesSlides/notesSlide10.xml><?xml version="1.0" encoding="utf-8"?>
-<p:notes xmlns:a="http://schemas.openxmlformats.org/drawingml/2006/main" xmlns:r="http://schemas.openxmlformats.org/officeDocument/2006/relationships" xmlns:p="http://schemas.openxmlformats.org/presentationml/2006/main" showMasterPhAnim="0" showMasterSp="0">
-  <p:cSld>
-    <p:spTree>
-      <p:nvGrpSpPr>
-        <p:cNvPr id="176" name="Shape 176"/>
-        <p:cNvGrpSpPr/>
-        <p:nvPr/>
-      </p:nvGrpSpPr>
-      <p:grpSpPr>
-        <a:xfrm>
-          <a:off x="0" y="0"/>
-          <a:ext cx="0" cy="0"/>
-          <a:chOff x="0" y="0"/>
-          <a:chExt cx="0" cy="0"/>
-        </a:xfrm>
-      </p:grpSpPr>
-      <p:sp>
-        <p:nvSpPr>
-          <p:cNvPr id="177" name="Google Shape;177;g1096674923f_0_420:notes"/>
-          <p:cNvSpPr/>
-          <p:nvPr>
-            <p:ph type="sldImg" idx="2"/>
-          </p:nvPr>
-        </p:nvSpPr>
-        <p:spPr>
-          <a:xfrm>
-            <a:off x="381300" y="685800"/>
-            <a:ext cx="6096000" cy="3429000"/>
-          </a:xfrm>
-          <a:custGeom>
-            <a:avLst/>
-            <a:gdLst/>
-            <a:ahLst/>
-            <a:cxnLst/>
-            <a:rect l="l" t="t" r="r" b="b"/>
-            <a:pathLst>
-              <a:path w="120000" h="120000" extrusionOk="0">
-                <a:moveTo>
-                  <a:pt x="0" y="0"/>
-                </a:moveTo>
-                <a:lnTo>
-                  <a:pt x="120000" y="0"/>
-                </a:lnTo>
-                <a:lnTo>
-                  <a:pt x="120000" y="120000"/>
-                </a:lnTo>
-                <a:lnTo>
-                  <a:pt x="0" y="120000"/>
-                </a:lnTo>
-                <a:close/>
-              </a:path>
-            </a:pathLst>
-          </a:custGeom>
-        </p:spPr>
-      </p:sp>
-      <p:sp>
-        <p:nvSpPr>
-          <p:cNvPr id="178" name="Google Shape;178;g1096674923f_0_420:notes"/>
-          <p:cNvSpPr txBox="1"/>
-          <p:nvPr>
-            <p:ph type="body" idx="1"/>
-          </p:nvPr>
-        </p:nvSpPr>
-        <p:spPr>
-          <a:xfrm>
-            <a:off x="685800" y="4343400"/>
-            <a:ext cx="5486400" cy="4114800"/>
-          </a:xfrm>
-          <a:prstGeom prst="rect">
-            <a:avLst/>
-          </a:prstGeom>
-        </p:spPr>
-        <p:txBody>
-          <a:bodyPr spcFirstLastPara="1" wrap="square" lIns="91425" tIns="91425" rIns="91425" bIns="91425" anchor="t" anchorCtr="0">
-            <a:noAutofit/>
-          </a:bodyPr>
-          <a:lstStyle/>
-          <a:p>
-            <a:pPr marL="0" lvl="0" indent="0" algn="l" rtl="0">
-              <a:spcBef>
-                <a:spcPts val="0"/>
-              </a:spcBef>
-              <a:spcAft>
-                <a:spcPts val="0"/>
-              </a:spcAft>
-              <a:buNone/>
-            </a:pPr>
-          </a:p>
-        </p:txBody>
-      </p:sp>
-    </p:spTree>
-  </p:cSld>
-  <p:clrMapOvr>
-    <a:masterClrMapping/>
-  </p:clrMapOvr>
-</p:notes>
-</file>
-
 <file path=ppt/notesSlides/notesSlide2.xml><?xml version="1.0" encoding="utf-8"?>
 <p:notes xmlns:a="http://schemas.openxmlformats.org/drawingml/2006/main" xmlns:r="http://schemas.openxmlformats.org/officeDocument/2006/relationships" xmlns:p="http://schemas.openxmlformats.org/presentationml/2006/main" showMasterPhAnim="0" showMasterSp="0">
   <p:cSld>
@@ -1410,204 +1313,6 @@
   <p:cSld>
     <p:spTree>
       <p:nvGrpSpPr>
-        <p:cNvPr id="161" name="Shape 161"/>
-        <p:cNvGrpSpPr/>
-        <p:nvPr/>
-      </p:nvGrpSpPr>
-      <p:grpSpPr>
-        <a:xfrm>
-          <a:off x="0" y="0"/>
-          <a:ext cx="0" cy="0"/>
-          <a:chOff x="0" y="0"/>
-          <a:chExt cx="0" cy="0"/>
-        </a:xfrm>
-      </p:grpSpPr>
-      <p:sp>
-        <p:nvSpPr>
-          <p:cNvPr id="162" name="Google Shape;162;g1096674923f_0_407:notes"/>
-          <p:cNvSpPr/>
-          <p:nvPr>
-            <p:ph type="sldImg" idx="2"/>
-          </p:nvPr>
-        </p:nvSpPr>
-        <p:spPr>
-          <a:xfrm>
-            <a:off x="381300" y="685800"/>
-            <a:ext cx="6096000" cy="3429000"/>
-          </a:xfrm>
-          <a:custGeom>
-            <a:avLst/>
-            <a:gdLst/>
-            <a:ahLst/>
-            <a:cxnLst/>
-            <a:rect l="l" t="t" r="r" b="b"/>
-            <a:pathLst>
-              <a:path w="120000" h="120000" extrusionOk="0">
-                <a:moveTo>
-                  <a:pt x="0" y="0"/>
-                </a:moveTo>
-                <a:lnTo>
-                  <a:pt x="120000" y="0"/>
-                </a:lnTo>
-                <a:lnTo>
-                  <a:pt x="120000" y="120000"/>
-                </a:lnTo>
-                <a:lnTo>
-                  <a:pt x="0" y="120000"/>
-                </a:lnTo>
-                <a:close/>
-              </a:path>
-            </a:pathLst>
-          </a:custGeom>
-        </p:spPr>
-      </p:sp>
-      <p:sp>
-        <p:nvSpPr>
-          <p:cNvPr id="163" name="Google Shape;163;g1096674923f_0_407:notes"/>
-          <p:cNvSpPr txBox="1"/>
-          <p:nvPr>
-            <p:ph type="body" idx="1"/>
-          </p:nvPr>
-        </p:nvSpPr>
-        <p:spPr>
-          <a:xfrm>
-            <a:off x="685800" y="4343400"/>
-            <a:ext cx="5486400" cy="4114800"/>
-          </a:xfrm>
-          <a:prstGeom prst="rect">
-            <a:avLst/>
-          </a:prstGeom>
-        </p:spPr>
-        <p:txBody>
-          <a:bodyPr spcFirstLastPara="1" wrap="square" lIns="91425" tIns="91425" rIns="91425" bIns="91425" anchor="t" anchorCtr="0">
-            <a:noAutofit/>
-          </a:bodyPr>
-          <a:lstStyle/>
-          <a:p>
-            <a:pPr marL="0" lvl="0" indent="0" algn="l" rtl="0">
-              <a:spcBef>
-                <a:spcPts val="0"/>
-              </a:spcBef>
-              <a:spcAft>
-                <a:spcPts val="0"/>
-              </a:spcAft>
-              <a:buNone/>
-            </a:pPr>
-          </a:p>
-        </p:txBody>
-      </p:sp>
-    </p:spTree>
-  </p:cSld>
-  <p:clrMapOvr>
-    <a:masterClrMapping/>
-  </p:clrMapOvr>
-</p:notes>
-</file>
-
-<file path=ppt/notesSlides/notesSlide8.xml><?xml version="1.0" encoding="utf-8"?>
-<p:notes xmlns:a="http://schemas.openxmlformats.org/drawingml/2006/main" xmlns:r="http://schemas.openxmlformats.org/officeDocument/2006/relationships" xmlns:p="http://schemas.openxmlformats.org/presentationml/2006/main" showMasterPhAnim="0" showMasterSp="0">
-  <p:cSld>
-    <p:spTree>
-      <p:nvGrpSpPr>
-        <p:cNvPr id="166" name="Shape 166"/>
-        <p:cNvGrpSpPr/>
-        <p:nvPr/>
-      </p:nvGrpSpPr>
-      <p:grpSpPr>
-        <a:xfrm>
-          <a:off x="0" y="0"/>
-          <a:ext cx="0" cy="0"/>
-          <a:chOff x="0" y="0"/>
-          <a:chExt cx="0" cy="0"/>
-        </a:xfrm>
-      </p:grpSpPr>
-      <p:sp>
-        <p:nvSpPr>
-          <p:cNvPr id="167" name="Google Shape;167;g1096674923f_0_413:notes"/>
-          <p:cNvSpPr/>
-          <p:nvPr>
-            <p:ph type="sldImg" idx="2"/>
-          </p:nvPr>
-        </p:nvSpPr>
-        <p:spPr>
-          <a:xfrm>
-            <a:off x="381300" y="685800"/>
-            <a:ext cx="6096000" cy="3429000"/>
-          </a:xfrm>
-          <a:custGeom>
-            <a:avLst/>
-            <a:gdLst/>
-            <a:ahLst/>
-            <a:cxnLst/>
-            <a:rect l="l" t="t" r="r" b="b"/>
-            <a:pathLst>
-              <a:path w="120000" h="120000" extrusionOk="0">
-                <a:moveTo>
-                  <a:pt x="0" y="0"/>
-                </a:moveTo>
-                <a:lnTo>
-                  <a:pt x="120000" y="0"/>
-                </a:lnTo>
-                <a:lnTo>
-                  <a:pt x="120000" y="120000"/>
-                </a:lnTo>
-                <a:lnTo>
-                  <a:pt x="0" y="120000"/>
-                </a:lnTo>
-                <a:close/>
-              </a:path>
-            </a:pathLst>
-          </a:custGeom>
-        </p:spPr>
-      </p:sp>
-      <p:sp>
-        <p:nvSpPr>
-          <p:cNvPr id="168" name="Google Shape;168;g1096674923f_0_413:notes"/>
-          <p:cNvSpPr txBox="1"/>
-          <p:nvPr>
-            <p:ph type="body" idx="1"/>
-          </p:nvPr>
-        </p:nvSpPr>
-        <p:spPr>
-          <a:xfrm>
-            <a:off x="685800" y="4343400"/>
-            <a:ext cx="5486400" cy="4114800"/>
-          </a:xfrm>
-          <a:prstGeom prst="rect">
-            <a:avLst/>
-          </a:prstGeom>
-        </p:spPr>
-        <p:txBody>
-          <a:bodyPr spcFirstLastPara="1" wrap="square" lIns="91425" tIns="91425" rIns="91425" bIns="91425" anchor="t" anchorCtr="0">
-            <a:noAutofit/>
-          </a:bodyPr>
-          <a:lstStyle/>
-          <a:p>
-            <a:pPr marL="0" lvl="0" indent="0" algn="l" rtl="0">
-              <a:spcBef>
-                <a:spcPts val="0"/>
-              </a:spcBef>
-              <a:spcAft>
-                <a:spcPts val="0"/>
-              </a:spcAft>
-              <a:buNone/>
-            </a:pPr>
-          </a:p>
-        </p:txBody>
-      </p:sp>
-    </p:spTree>
-  </p:cSld>
-  <p:clrMapOvr>
-    <a:masterClrMapping/>
-  </p:clrMapOvr>
-</p:notes>
-</file>
-
-<file path=ppt/notesSlides/notesSlide9.xml><?xml version="1.0" encoding="utf-8"?>
-<p:notes xmlns:a="http://schemas.openxmlformats.org/drawingml/2006/main" xmlns:r="http://schemas.openxmlformats.org/officeDocument/2006/relationships" xmlns:p="http://schemas.openxmlformats.org/presentationml/2006/main" showMasterPhAnim="0" showMasterSp="0">
-  <p:cSld>
-    <p:spTree>
-      <p:nvGrpSpPr>
         <p:cNvPr id="171" name="Shape 171"/>
         <p:cNvGrpSpPr/>
         <p:nvPr/>
@@ -1662,6 +1367,105 @@
       <p:sp>
         <p:nvSpPr>
           <p:cNvPr id="173" name="Google Shape;173;g1096674923f_0_394:notes"/>
+          <p:cNvSpPr txBox="1"/>
+          <p:nvPr>
+            <p:ph type="body" idx="1"/>
+          </p:nvPr>
+        </p:nvSpPr>
+        <p:spPr>
+          <a:xfrm>
+            <a:off x="685800" y="4343400"/>
+            <a:ext cx="5486400" cy="4114800"/>
+          </a:xfrm>
+          <a:prstGeom prst="rect">
+            <a:avLst/>
+          </a:prstGeom>
+        </p:spPr>
+        <p:txBody>
+          <a:bodyPr spcFirstLastPara="1" wrap="square" lIns="91425" tIns="91425" rIns="91425" bIns="91425" anchor="t" anchorCtr="0">
+            <a:noAutofit/>
+          </a:bodyPr>
+          <a:lstStyle/>
+          <a:p>
+            <a:pPr marL="0" lvl="0" indent="0" algn="l" rtl="0">
+              <a:spcBef>
+                <a:spcPts val="0"/>
+              </a:spcBef>
+              <a:spcAft>
+                <a:spcPts val="0"/>
+              </a:spcAft>
+              <a:buNone/>
+            </a:pPr>
+          </a:p>
+        </p:txBody>
+      </p:sp>
+    </p:spTree>
+  </p:cSld>
+  <p:clrMapOvr>
+    <a:masterClrMapping/>
+  </p:clrMapOvr>
+</p:notes>
+</file>
+
+<file path=ppt/notesSlides/notesSlide8.xml><?xml version="1.0" encoding="utf-8"?>
+<p:notes xmlns:a="http://schemas.openxmlformats.org/drawingml/2006/main" xmlns:r="http://schemas.openxmlformats.org/officeDocument/2006/relationships" xmlns:p="http://schemas.openxmlformats.org/presentationml/2006/main" showMasterPhAnim="0" showMasterSp="0">
+  <p:cSld>
+    <p:spTree>
+      <p:nvGrpSpPr>
+        <p:cNvPr id="176" name="Shape 176"/>
+        <p:cNvGrpSpPr/>
+        <p:nvPr/>
+      </p:nvGrpSpPr>
+      <p:grpSpPr>
+        <a:xfrm>
+          <a:off x="0" y="0"/>
+          <a:ext cx="0" cy="0"/>
+          <a:chOff x="0" y="0"/>
+          <a:chExt cx="0" cy="0"/>
+        </a:xfrm>
+      </p:grpSpPr>
+      <p:sp>
+        <p:nvSpPr>
+          <p:cNvPr id="177" name="Google Shape;177;g1096674923f_0_420:notes"/>
+          <p:cNvSpPr/>
+          <p:nvPr>
+            <p:ph type="sldImg" idx="2"/>
+          </p:nvPr>
+        </p:nvSpPr>
+        <p:spPr>
+          <a:xfrm>
+            <a:off x="381300" y="685800"/>
+            <a:ext cx="6096000" cy="3429000"/>
+          </a:xfrm>
+          <a:custGeom>
+            <a:avLst/>
+            <a:gdLst/>
+            <a:ahLst/>
+            <a:cxnLst/>
+            <a:rect l="l" t="t" r="r" b="b"/>
+            <a:pathLst>
+              <a:path w="120000" h="120000" extrusionOk="0">
+                <a:moveTo>
+                  <a:pt x="0" y="0"/>
+                </a:moveTo>
+                <a:lnTo>
+                  <a:pt x="120000" y="0"/>
+                </a:lnTo>
+                <a:lnTo>
+                  <a:pt x="120000" y="120000"/>
+                </a:lnTo>
+                <a:lnTo>
+                  <a:pt x="0" y="120000"/>
+                </a:lnTo>
+                <a:close/>
+              </a:path>
+            </a:pathLst>
+          </a:custGeom>
+        </p:spPr>
+      </p:sp>
+      <p:sp>
+        <p:nvSpPr>
+          <p:cNvPr id="178" name="Google Shape;178;g1096674923f_0_420:notes"/>
           <p:cNvSpPr txBox="1"/>
           <p:nvPr>
             <p:ph type="body" idx="1"/>
@@ -9603,305 +9407,6 @@
   <p:cSld>
     <p:spTree>
       <p:nvGrpSpPr>
-        <p:cNvPr id="1" name=""/>
-        <p:cNvGrpSpPr/>
-        <p:nvPr/>
-      </p:nvGrpSpPr>
-      <p:grpSpPr/>
-      <p:sp>
-        <p:nvSpPr>
-          <p:cNvPr id="3" name="Text Placeholder 2"/>
-          <p:cNvSpPr/>
-          <p:nvPr>
-            <p:ph type="body" idx="1"/>
-          </p:nvPr>
-        </p:nvSpPr>
-        <p:spPr>
-          <a:xfrm>
-            <a:off x="796290" y="1051560"/>
-            <a:ext cx="7528560" cy="3387090"/>
-          </a:xfrm>
-        </p:spPr>
-        <p:txBody>
-          <a:bodyPr>
-            <a:normAutofit lnSpcReduction="20000"/>
-          </a:bodyPr>
-          <a:p>
-            <a:pPr>
-              <a:buNone/>
-            </a:pPr>
-            <a:endParaRPr lang="en-US" sz="1800" b="1" i="1">
-              <a:latin typeface="Times New Roman" panose="02020603050405020304" charset="0"/>
-              <a:cs typeface="Times New Roman" panose="02020603050405020304" charset="0"/>
-            </a:endParaRPr>
-          </a:p>
-          <a:p>
-            <a:pPr>
-              <a:buFont typeface="Wingdings" panose="05000000000000000000" charset="0"/>
-              <a:buChar char="v"/>
-            </a:pPr>
-            <a:r>
-              <a:rPr lang="en-US" sz="1800" b="1">
-                <a:latin typeface="Times New Roman" panose="02020603050405020304" charset="0"/>
-                <a:cs typeface="Times New Roman" panose="02020603050405020304" charset="0"/>
-              </a:rPr>
-              <a:t>Medicine : -</a:t>
-            </a:r>
-            <a:r>
-              <a:rPr lang="en-US" sz="1800">
-                <a:latin typeface="Times New Roman" panose="02020603050405020304" charset="0"/>
-                <a:cs typeface="Times New Roman" panose="02020603050405020304" charset="0"/>
-              </a:rPr>
-              <a:t> By using association rules and machine learning-fueled data analysis, doctors can determine the conditional probability of a given illness by comparing symptom relationships in the data from past cases.</a:t>
-            </a:r>
-            <a:endParaRPr lang="en-US" sz="1800">
-              <a:latin typeface="Times New Roman" panose="02020603050405020304" charset="0"/>
-              <a:cs typeface="Times New Roman" panose="02020603050405020304" charset="0"/>
-            </a:endParaRPr>
-          </a:p>
-          <a:p>
-            <a:pPr>
-              <a:buFont typeface="Wingdings" panose="05000000000000000000" charset="0"/>
-              <a:buChar char="v"/>
-            </a:pPr>
-            <a:endParaRPr lang="en-US" sz="1800">
-              <a:latin typeface="Times New Roman" panose="02020603050405020304" charset="0"/>
-              <a:cs typeface="Times New Roman" panose="02020603050405020304" charset="0"/>
-            </a:endParaRPr>
-          </a:p>
-          <a:p>
-            <a:pPr>
-              <a:buFont typeface="Wingdings" panose="05000000000000000000" charset="0"/>
-              <a:buChar char="v"/>
-            </a:pPr>
-            <a:r>
-              <a:rPr lang="en-US" sz="1800" b="1">
-                <a:latin typeface="Times New Roman" panose="02020603050405020304" charset="0"/>
-                <a:cs typeface="Times New Roman" panose="02020603050405020304" charset="0"/>
-              </a:rPr>
-              <a:t>Retail : -</a:t>
-            </a:r>
-            <a:r>
-              <a:rPr lang="en-US" sz="1800">
-                <a:latin typeface="Times New Roman" panose="02020603050405020304" charset="0"/>
-                <a:cs typeface="Times New Roman" panose="02020603050405020304" charset="0"/>
-              </a:rPr>
-              <a:t> Machine learning models can look for co-occurrence in this data to determine which products are most likely to be purchased together. The retailer can then adjust marketing and sales strategy to take advantage of this information</a:t>
-            </a:r>
-            <a:endParaRPr lang="en-US" sz="1800">
-              <a:latin typeface="Times New Roman" panose="02020603050405020304" charset="0"/>
-              <a:cs typeface="Times New Roman" panose="02020603050405020304" charset="0"/>
-            </a:endParaRPr>
-          </a:p>
-          <a:p>
-            <a:pPr>
-              <a:buNone/>
-            </a:pPr>
-            <a:endParaRPr lang="en-US" sz="1800">
-              <a:latin typeface="Times New Roman" panose="02020603050405020304" charset="0"/>
-              <a:cs typeface="Times New Roman" panose="02020603050405020304" charset="0"/>
-            </a:endParaRPr>
-          </a:p>
-          <a:p>
-            <a:pPr marL="146050" indent="0">
-              <a:buNone/>
-            </a:pPr>
-            <a:endParaRPr lang="en-US" sz="1800">
-              <a:latin typeface="Times New Roman" panose="02020603050405020304" charset="0"/>
-              <a:cs typeface="Times New Roman" panose="02020603050405020304" charset="0"/>
-            </a:endParaRPr>
-          </a:p>
-        </p:txBody>
-      </p:sp>
-      <p:sp>
-        <p:nvSpPr>
-          <p:cNvPr id="2" name="Rectangles 1"/>
-          <p:cNvSpPr/>
-          <p:nvPr/>
-        </p:nvSpPr>
-        <p:spPr>
-          <a:xfrm>
-            <a:off x="796290" y="379730"/>
-            <a:ext cx="7528560" cy="741680"/>
-          </a:xfrm>
-          <a:prstGeom prst="rect">
-            <a:avLst/>
-          </a:prstGeom>
-          <a:solidFill>
-            <a:schemeClr val="tx1"/>
-          </a:solidFill>
-          <a:ln>
-            <a:solidFill>
-              <a:schemeClr val="tx1"/>
-            </a:solidFill>
-          </a:ln>
-        </p:spPr>
-        <p:style>
-          <a:lnRef idx="2">
-            <a:schemeClr val="accent1">
-              <a:shade val="50000"/>
-            </a:schemeClr>
-          </a:lnRef>
-          <a:fillRef idx="1">
-            <a:schemeClr val="accent1"/>
-          </a:fillRef>
-          <a:effectRef idx="0">
-            <a:schemeClr val="accent1"/>
-          </a:effectRef>
-          <a:fontRef idx="minor">
-            <a:schemeClr val="lt1"/>
-          </a:fontRef>
-        </p:style>
-        <p:txBody>
-          <a:bodyPr rtlCol="0" anchor="ctr"/>
-          <a:p>
-            <a:pPr indent="0">
-              <a:buFont typeface="Wingdings" panose="05000000000000000000" charset="0"/>
-              <a:buNone/>
-            </a:pPr>
-            <a:r>
-              <a:rPr lang="en-US" sz="2200" b="1" i="1">
-                <a:latin typeface="Times New Roman" panose="02020603050405020304" charset="0"/>
-                <a:cs typeface="Times New Roman" panose="02020603050405020304" charset="0"/>
-                <a:sym typeface="+mn-ea"/>
-              </a:rPr>
-              <a:t>Below are a few real-world use cases for association rules : -</a:t>
-            </a:r>
-            <a:endParaRPr lang="en-US" sz="2200" b="1" i="1">
-              <a:latin typeface="Times New Roman" panose="02020603050405020304" charset="0"/>
-              <a:cs typeface="Times New Roman" panose="02020603050405020304" charset="0"/>
-              <a:sym typeface="+mn-ea"/>
-            </a:endParaRPr>
-          </a:p>
-        </p:txBody>
-      </p:sp>
-    </p:spTree>
-  </p:cSld>
-  <p:clrMapOvr>
-    <a:masterClrMapping/>
-  </p:clrMapOvr>
-</p:sld>
-</file>
-
-<file path=ppt/slides/slide11.xml><?xml version="1.0" encoding="utf-8"?>
-<p:sld xmlns:a="http://schemas.openxmlformats.org/drawingml/2006/main" xmlns:r="http://schemas.openxmlformats.org/officeDocument/2006/relationships" xmlns:p="http://schemas.openxmlformats.org/presentationml/2006/main">
-  <p:cSld>
-    <p:spTree>
-      <p:nvGrpSpPr>
-        <p:cNvPr id="1" name=""/>
-        <p:cNvGrpSpPr/>
-        <p:nvPr/>
-      </p:nvGrpSpPr>
-      <p:grpSpPr/>
-      <p:sp>
-        <p:nvSpPr>
-          <p:cNvPr id="3" name="Text Placeholder 2"/>
-          <p:cNvSpPr/>
-          <p:nvPr>
-            <p:ph type="body" idx="1"/>
-          </p:nvPr>
-        </p:nvSpPr>
-        <p:spPr>
-          <a:xfrm>
-            <a:off x="749935" y="508000"/>
-            <a:ext cx="7574915" cy="3930650"/>
-          </a:xfrm>
-        </p:spPr>
-        <p:txBody>
-          <a:bodyPr/>
-          <a:p>
-            <a:pPr>
-              <a:buFont typeface="Wingdings" panose="05000000000000000000" charset="0"/>
-              <a:buChar char="Ø"/>
-            </a:pPr>
-            <a:endParaRPr lang="en-US" sz="1600" b="1">
-              <a:latin typeface="Times New Roman" panose="02020603050405020304" charset="0"/>
-              <a:cs typeface="Times New Roman" panose="02020603050405020304" charset="0"/>
-            </a:endParaRPr>
-          </a:p>
-          <a:p>
-            <a:pPr>
-              <a:buFont typeface="Wingdings" panose="05000000000000000000" charset="0"/>
-              <a:buChar char="Ø"/>
-            </a:pPr>
-            <a:endParaRPr lang="en-US" sz="1600" b="1">
-              <a:latin typeface="Times New Roman" panose="02020603050405020304" charset="0"/>
-              <a:cs typeface="Times New Roman" panose="02020603050405020304" charset="0"/>
-            </a:endParaRPr>
-          </a:p>
-          <a:p>
-            <a:pPr>
-              <a:buFont typeface="Wingdings" panose="05000000000000000000" charset="0"/>
-              <a:buChar char="v"/>
-            </a:pPr>
-            <a:r>
-              <a:rPr lang="en-US" sz="1600" b="1">
-                <a:latin typeface="Times New Roman" panose="02020603050405020304" charset="0"/>
-                <a:cs typeface="Times New Roman" panose="02020603050405020304" charset="0"/>
-              </a:rPr>
-              <a:t>User experience (UX) design : -</a:t>
-            </a:r>
-            <a:r>
-              <a:rPr lang="en-US" sz="1600">
-                <a:latin typeface="Times New Roman" panose="02020603050405020304" charset="0"/>
-                <a:cs typeface="Times New Roman" panose="02020603050405020304" charset="0"/>
-              </a:rPr>
-              <a:t> Developers can collect data on how consumers use a website they create. They can then use associations in the data to optimize the website user interface -- by analyzing where users tend to click .</a:t>
-            </a:r>
-            <a:endParaRPr lang="en-US" sz="1600">
-              <a:latin typeface="Times New Roman" panose="02020603050405020304" charset="0"/>
-              <a:cs typeface="Times New Roman" panose="02020603050405020304" charset="0"/>
-            </a:endParaRPr>
-          </a:p>
-          <a:p>
-            <a:pPr>
-              <a:buFont typeface="Wingdings" panose="05000000000000000000" charset="0"/>
-              <a:buChar char="v"/>
-            </a:pPr>
-            <a:endParaRPr lang="en-US" sz="1600">
-              <a:latin typeface="Times New Roman" panose="02020603050405020304" charset="0"/>
-              <a:cs typeface="Times New Roman" panose="02020603050405020304" charset="0"/>
-            </a:endParaRPr>
-          </a:p>
-          <a:p>
-            <a:pPr>
-              <a:buFont typeface="Wingdings" panose="05000000000000000000" charset="0"/>
-              <a:buChar char="v"/>
-            </a:pPr>
-            <a:r>
-              <a:rPr lang="en-US" sz="1600" b="1">
-                <a:latin typeface="Times New Roman" panose="02020603050405020304" charset="0"/>
-                <a:cs typeface="Times New Roman" panose="02020603050405020304" charset="0"/>
-              </a:rPr>
-              <a:t>Entertainment : - </a:t>
-            </a:r>
-            <a:r>
-              <a:rPr lang="en-US" sz="1600">
-                <a:latin typeface="Times New Roman" panose="02020603050405020304" charset="0"/>
-                <a:cs typeface="Times New Roman" panose="02020603050405020304" charset="0"/>
-              </a:rPr>
-              <a:t>Machine learning models analyze past user behavior data for frequent patterns, develop association rules and use those rules to recommend content that a user is likely to engage with, or organize content in a way that is likely to put the most interesting content for a given user first.</a:t>
-            </a:r>
-            <a:endParaRPr lang="en-US" sz="1600">
-              <a:latin typeface="Times New Roman" panose="02020603050405020304" charset="0"/>
-              <a:cs typeface="Times New Roman" panose="02020603050405020304" charset="0"/>
-            </a:endParaRPr>
-          </a:p>
-        </p:txBody>
-      </p:sp>
-    </p:spTree>
-  </p:cSld>
-  <p:clrMapOvr>
-    <a:masterClrMapping/>
-  </p:clrMapOvr>
-</p:sld>
-</file>
-
-<file path=ppt/slides/slide12.xml><?xml version="1.0" encoding="utf-8"?>
-<p:sld xmlns:a="http://schemas.openxmlformats.org/drawingml/2006/main" xmlns:r="http://schemas.openxmlformats.org/officeDocument/2006/relationships" xmlns:p="http://schemas.openxmlformats.org/presentationml/2006/main">
-  <p:cSld>
-    <p:spTree>
-      <p:nvGrpSpPr>
         <p:cNvPr id="149" name="Shape 149"/>
         <p:cNvGrpSpPr/>
         <p:nvPr/>
@@ -9933,7 +9438,7 @@
         </p:spPr>
         <p:txBody>
           <a:bodyPr spcFirstLastPara="1" wrap="square" lIns="91425" tIns="91425" rIns="91425" bIns="91425" anchor="t" anchorCtr="0">
-            <a:normAutofit/>
+            <a:normAutofit lnSpcReduction="20000"/>
           </a:bodyPr>
           <a:lstStyle/>
           <a:p>
@@ -9963,29 +9468,6 @@
               <a:t>Technologies used : -</a:t>
             </a:r>
             <a:endParaRPr lang="en-GB" sz="1800" b="1" i="1">
-              <a:solidFill>
-                <a:srgbClr val="000000"/>
-              </a:solidFill>
-              <a:latin typeface="Times New Roman" panose="02020603050405020304" charset="0"/>
-              <a:ea typeface="Times New Roman" panose="02020603050405020304"/>
-              <a:cs typeface="Times New Roman" panose="02020603050405020304" charset="0"/>
-              <a:sym typeface="Times New Roman" panose="02020603050405020304"/>
-            </a:endParaRPr>
-          </a:p>
-          <a:p>
-            <a:pPr marL="285750" lvl="0" indent="-285750" algn="l" rtl="0">
-              <a:lnSpc>
-                <a:spcPct val="150000"/>
-              </a:lnSpc>
-              <a:spcBef>
-                <a:spcPts val="1200"/>
-              </a:spcBef>
-              <a:spcAft>
-                <a:spcPts val="0"/>
-              </a:spcAft>
-              <a:buNone/>
-            </a:pPr>
-            <a:endParaRPr sz="1800" b="1" i="1">
               <a:solidFill>
                 <a:srgbClr val="000000"/>
               </a:solidFill>
@@ -10056,7 +9538,7 @@
             </a:endParaRPr>
           </a:p>
           <a:p>
-            <a:pPr marL="266700" lvl="0" indent="-266700" algn="l" rtl="0">
+            <a:pPr marL="0" lvl="0" indent="0" algn="l" rtl="0">
               <a:lnSpc>
                 <a:spcPct val="150000"/>
               </a:lnSpc>
@@ -10066,9 +9548,10 @@
               <a:spcAft>
                 <a:spcPts val="0"/>
               </a:spcAft>
+              <a:buFont typeface="Wingdings" panose="05000000000000000000" charset="0"/>
               <a:buNone/>
             </a:pPr>
-            <a:endParaRPr sz="1500">
+            <a:endParaRPr lang="en-US" altLang="en-GB" sz="1600">
               <a:solidFill>
                 <a:srgbClr val="000000"/>
               </a:solidFill>
@@ -10079,42 +9562,70 @@
             </a:endParaRPr>
           </a:p>
           <a:p>
-            <a:pPr marL="0" lvl="0" indent="0" algn="l" rtl="0">
-              <a:spcBef>
-                <a:spcPts val="1000"/>
-              </a:spcBef>
-              <a:spcAft>
+            <a:pPr marL="285750" lvl="0" indent="-285750" algn="l" rtl="0">
+              <a:lnSpc>
+                <a:spcPct val="150000"/>
+              </a:lnSpc>
+              <a:spcBef>
                 <a:spcPts val="1200"/>
-              </a:spcAft>
-              <a:buNone/>
+              </a:spcBef>
+              <a:spcAft>
+                <a:spcPts val="0"/>
+              </a:spcAft>
+              <a:buFont typeface="Wingdings" panose="05000000000000000000" charset="0"/>
+              <a:buChar char="ü"/>
             </a:pPr>
+            <a:r>
+              <a:rPr lang="en-US"/>
+              <a:t></a:t>
+            </a:r>
+            <a:r>
+              <a:rPr lang="en-US">
+                <a:latin typeface="Times New Roman" panose="02020603050405020304" charset="0"/>
+                <a:cs typeface="Times New Roman" panose="02020603050405020304" charset="0"/>
+              </a:rPr>
+              <a:t> </a:t>
+            </a:r>
+            <a:r>
+              <a:rPr lang="en-US" sz="1600" b="1">
+                <a:latin typeface="Times New Roman" panose="02020603050405020304" charset="0"/>
+                <a:cs typeface="Times New Roman" panose="02020603050405020304" charset="0"/>
+              </a:rPr>
+              <a:t>Libraries used : - </a:t>
+            </a:r>
+            <a:endParaRPr lang="en-US" sz="1600">
+              <a:latin typeface="Times New Roman" panose="02020603050405020304" charset="0"/>
+              <a:cs typeface="Times New Roman" panose="02020603050405020304" charset="0"/>
+            </a:endParaRPr>
+          </a:p>
+          <a:p>
+            <a:pPr marL="342900" lvl="0" indent="-342900" algn="l" rtl="0">
+              <a:lnSpc>
+                <a:spcPct val="150000"/>
+              </a:lnSpc>
+              <a:spcBef>
+                <a:spcPts val="1200"/>
+              </a:spcBef>
+              <a:spcAft>
+                <a:spcPts val="0"/>
+              </a:spcAft>
+              <a:buFont typeface="+mj-lt"/>
+              <a:buAutoNum type="arabicPeriod"/>
+            </a:pPr>
+            <a:r>
+              <a:rPr lang="en-US" sz="1600">
+                <a:latin typeface="Times New Roman" panose="02020603050405020304" charset="0"/>
+                <a:cs typeface="Times New Roman" panose="02020603050405020304" charset="0"/>
+              </a:rPr>
+              <a:t>Numpy : - NumPy is library in python used for working with arrays. It also has functions for working in domain of  linear algebra, fourier transform, and matrices.</a:t>
+            </a:r>
+            <a:endParaRPr lang="en-US" sz="1600">
+              <a:latin typeface="Times New Roman" panose="02020603050405020304" charset="0"/>
+              <a:cs typeface="Times New Roman" panose="02020603050405020304" charset="0"/>
+            </a:endParaRPr>
           </a:p>
         </p:txBody>
       </p:sp>
-      <p:pic>
-        <p:nvPicPr>
-          <p:cNvPr id="2" name="Picture 1" descr="index"/>
-          <p:cNvPicPr>
-            <a:picLocks noChangeAspect="1"/>
-          </p:cNvPicPr>
-          <p:nvPr/>
-        </p:nvPicPr>
-        <p:blipFill>
-          <a:blip r:embed="rId1"/>
-          <a:stretch>
-            <a:fillRect/>
-          </a:stretch>
-        </p:blipFill>
-        <p:spPr>
-          <a:xfrm>
-            <a:off x="6831965" y="836930"/>
-            <a:ext cx="1133475" cy="1133475"/>
-          </a:xfrm>
-          <a:prstGeom prst="rect">
-            <a:avLst/>
-          </a:prstGeom>
-        </p:spPr>
-      </p:pic>
     </p:spTree>
   </p:cSld>
   <p:clrMapOvr>
@@ -10123,7 +9634,163 @@
 </p:sld>
 </file>
 
-<file path=ppt/slides/slide13.xml><?xml version="1.0" encoding="utf-8"?>
+<file path=ppt/slides/slide11.xml><?xml version="1.0" encoding="utf-8"?>
+<p:sld xmlns:a="http://schemas.openxmlformats.org/drawingml/2006/main" xmlns:r="http://schemas.openxmlformats.org/officeDocument/2006/relationships" xmlns:p="http://schemas.openxmlformats.org/presentationml/2006/main">
+  <p:cSld>
+    <p:spTree>
+      <p:nvGrpSpPr>
+        <p:cNvPr id="1" name=""/>
+        <p:cNvGrpSpPr/>
+        <p:nvPr/>
+      </p:nvGrpSpPr>
+      <p:grpSpPr/>
+      <p:sp>
+        <p:nvSpPr>
+          <p:cNvPr id="3" name="Text Placeholder 2"/>
+          <p:cNvSpPr/>
+          <p:nvPr>
+            <p:ph type="body" idx="1"/>
+          </p:nvPr>
+        </p:nvSpPr>
+        <p:spPr>
+          <a:xfrm>
+            <a:off x="819150" y="1005840"/>
+            <a:ext cx="7505700" cy="3432810"/>
+          </a:xfrm>
+        </p:spPr>
+        <p:txBody>
+          <a:bodyPr/>
+          <a:p>
+            <a:pPr marL="146050" indent="0">
+              <a:lnSpc>
+                <a:spcPct val="150000"/>
+              </a:lnSpc>
+              <a:buNone/>
+            </a:pPr>
+            <a:r>
+              <a:rPr lang="en-US" sz="1600" b="1">
+                <a:latin typeface="Times New Roman" panose="02020603050405020304" charset="0"/>
+                <a:cs typeface="Times New Roman" panose="02020603050405020304" charset="0"/>
+                <a:sym typeface="+mn-ea"/>
+              </a:rPr>
+              <a:t>2. Pandas : -</a:t>
+            </a:r>
+            <a:r>
+              <a:rPr lang="en-US" sz="1600">
+                <a:latin typeface="Times New Roman" panose="02020603050405020304" charset="0"/>
+                <a:cs typeface="Times New Roman" panose="02020603050405020304" charset="0"/>
+                <a:sym typeface="+mn-ea"/>
+              </a:rPr>
+              <a:t> Pandas is a library in Python for data analysis and manipulation .</a:t>
+            </a:r>
+            <a:endParaRPr lang="en-US" sz="1600">
+              <a:latin typeface="Times New Roman" panose="02020603050405020304" charset="0"/>
+              <a:cs typeface="Times New Roman" panose="02020603050405020304" charset="0"/>
+              <a:sym typeface="+mn-ea"/>
+            </a:endParaRPr>
+          </a:p>
+          <a:p>
+            <a:pPr marL="146050" indent="0">
+              <a:lnSpc>
+                <a:spcPct val="150000"/>
+              </a:lnSpc>
+              <a:buNone/>
+            </a:pPr>
+            <a:endParaRPr lang="en-US" sz="1600">
+              <a:latin typeface="Times New Roman" panose="02020603050405020304" charset="0"/>
+              <a:cs typeface="Times New Roman" panose="02020603050405020304" charset="0"/>
+              <a:sym typeface="+mn-ea"/>
+            </a:endParaRPr>
+          </a:p>
+          <a:p>
+            <a:pPr marL="146050" indent="0">
+              <a:lnSpc>
+                <a:spcPct val="150000"/>
+              </a:lnSpc>
+              <a:buNone/>
+            </a:pPr>
+            <a:r>
+              <a:rPr lang="en-US" sz="1600" b="1">
+                <a:latin typeface="Times New Roman" panose="02020603050405020304" charset="0"/>
+                <a:cs typeface="Times New Roman" panose="02020603050405020304" charset="0"/>
+                <a:sym typeface="+mn-ea"/>
+              </a:rPr>
+              <a:t>3. Mlxtend : -</a:t>
+            </a:r>
+            <a:r>
+              <a:rPr lang="en-US" sz="1600">
+                <a:latin typeface="Times New Roman" panose="02020603050405020304" charset="0"/>
+                <a:cs typeface="Times New Roman" panose="02020603050405020304" charset="0"/>
+                <a:sym typeface="+mn-ea"/>
+              </a:rPr>
+              <a:t> Mlxtend (machine learning extension) is a library in python of useful tools for the day-to-day data science tasks. </a:t>
+            </a:r>
+            <a:endParaRPr lang="en-US" sz="1600">
+              <a:latin typeface="Times New Roman" panose="02020603050405020304" charset="0"/>
+              <a:cs typeface="Times New Roman" panose="02020603050405020304" charset="0"/>
+              <a:sym typeface="+mn-ea"/>
+            </a:endParaRPr>
+          </a:p>
+          <a:p>
+            <a:pPr marL="146050" indent="0">
+              <a:lnSpc>
+                <a:spcPct val="150000"/>
+              </a:lnSpc>
+              <a:buNone/>
+            </a:pPr>
+            <a:endParaRPr lang="en-US" sz="1600">
+              <a:latin typeface="Times New Roman" panose="02020603050405020304" charset="0"/>
+              <a:cs typeface="Times New Roman" panose="02020603050405020304" charset="0"/>
+              <a:sym typeface="+mn-ea"/>
+            </a:endParaRPr>
+          </a:p>
+          <a:p>
+            <a:pPr marL="146050" indent="0">
+              <a:lnSpc>
+                <a:spcPct val="150000"/>
+              </a:lnSpc>
+              <a:buNone/>
+            </a:pPr>
+            <a:r>
+              <a:rPr lang="en-US" sz="1600" b="1">
+                <a:latin typeface="Times New Roman" panose="02020603050405020304" charset="0"/>
+                <a:cs typeface="Times New Roman" panose="02020603050405020304" charset="0"/>
+                <a:sym typeface="+mn-ea"/>
+              </a:rPr>
+              <a:t>4. Matplotlib : -</a:t>
+            </a:r>
+            <a:r>
+              <a:rPr lang="en-US" sz="1600">
+                <a:latin typeface="Times New Roman" panose="02020603050405020304" charset="0"/>
+                <a:cs typeface="Times New Roman" panose="02020603050405020304" charset="0"/>
+                <a:sym typeface="+mn-ea"/>
+              </a:rPr>
+              <a:t> Matplotlib is a comprehensive library for creating static, animated, and interactive visualizations in Python.</a:t>
+            </a:r>
+            <a:endParaRPr lang="en-US" sz="1600">
+              <a:latin typeface="Times New Roman" panose="02020603050405020304" charset="0"/>
+              <a:cs typeface="Times New Roman" panose="02020603050405020304" charset="0"/>
+            </a:endParaRPr>
+          </a:p>
+          <a:p>
+            <a:pPr>
+              <a:lnSpc>
+                <a:spcPct val="150000"/>
+              </a:lnSpc>
+            </a:pPr>
+            <a:endParaRPr lang="en-US" sz="1600"/>
+          </a:p>
+        </p:txBody>
+      </p:sp>
+    </p:spTree>
+  </p:cSld>
+  <p:clrMapOvr>
+    <a:masterClrMapping/>
+  </p:clrMapOvr>
+</p:sld>
+</file>
+
+<file path=ppt/slides/slide12.xml><?xml version="1.0" encoding="utf-8"?>
 <p:sld xmlns:a="http://schemas.openxmlformats.org/drawingml/2006/main" xmlns:r="http://schemas.openxmlformats.org/officeDocument/2006/relationships" xmlns:p="http://schemas.openxmlformats.org/presentationml/2006/main">
   <p:cSld>
     <p:spTree>
@@ -10211,42 +9878,6 @@
               </a:rPr>
               <a:t>Software Requirements : -</a:t>
             </a:r>
-            <a:endParaRPr sz="1800" b="1" i="1">
-              <a:solidFill>
-                <a:srgbClr val="000000"/>
-              </a:solidFill>
-              <a:latin typeface="Times New Roman" panose="02020603050405020304"/>
-              <a:ea typeface="Times New Roman" panose="02020603050405020304"/>
-              <a:cs typeface="Times New Roman" panose="02020603050405020304"/>
-              <a:sym typeface="Times New Roman" panose="02020603050405020304"/>
-            </a:endParaRPr>
-          </a:p>
-          <a:p>
-            <a:pPr marL="285750" lvl="0" indent="-285750" algn="l" rtl="0">
-              <a:lnSpc>
-                <a:spcPct val="200000"/>
-              </a:lnSpc>
-              <a:spcBef>
-                <a:spcPts val="1200"/>
-              </a:spcBef>
-              <a:spcAft>
-                <a:spcPts val="0"/>
-              </a:spcAft>
-              <a:buFont typeface="Wingdings" panose="05000000000000000000" charset="0"/>
-              <a:buChar char="Ø"/>
-            </a:pPr>
-            <a:r>
-              <a:rPr lang="en-GB" sz="1600">
-                <a:solidFill>
-                  <a:srgbClr val="000000"/>
-                </a:solidFill>
-                <a:latin typeface="Times New Roman" panose="02020603050405020304"/>
-                <a:ea typeface="Times New Roman" panose="02020603050405020304"/>
-                <a:cs typeface="Times New Roman" panose="02020603050405020304"/>
-                <a:sym typeface="Times New Roman" panose="02020603050405020304"/>
-              </a:rPr>
-              <a:t>Python </a:t>
-            </a:r>
             <a:endParaRPr sz="1600">
               <a:solidFill>
                 <a:srgbClr val="000000"/>
@@ -10283,7 +9914,7 @@
               </a:rPr>
               <a:t>Anaconda Individual Edition </a:t>
             </a:r>
-            <a:endParaRPr lang="en-GB" sz="1600">
+            <a:endParaRPr lang="en-US" sz="1600">
               <a:solidFill>
                 <a:srgbClr val="000000"/>
               </a:solidFill>
@@ -10293,94 +9924,22 @@
               <a:sym typeface="Times New Roman" panose="02020603050405020304"/>
             </a:endParaRPr>
           </a:p>
-        </p:txBody>
-      </p:sp>
-    </p:spTree>
-  </p:cSld>
-  <p:clrMapOvr>
-    <a:masterClrMapping/>
-  </p:clrMapOvr>
-</p:sld>
-</file>
-
-<file path=ppt/slides/slide14.xml><?xml version="1.0" encoding="utf-8"?>
-<p:sld xmlns:a="http://schemas.openxmlformats.org/drawingml/2006/main" xmlns:r="http://schemas.openxmlformats.org/officeDocument/2006/relationships" xmlns:p="http://schemas.openxmlformats.org/presentationml/2006/main">
-  <p:cSld>
-    <p:spTree>
-      <p:nvGrpSpPr>
-        <p:cNvPr id="164" name="Shape 164"/>
-        <p:cNvGrpSpPr/>
-        <p:nvPr/>
-      </p:nvGrpSpPr>
-      <p:grpSpPr>
-        <a:xfrm>
-          <a:off x="0" y="0"/>
-          <a:ext cx="0" cy="0"/>
-          <a:chOff x="0" y="0"/>
-          <a:chExt cx="0" cy="0"/>
-        </a:xfrm>
-      </p:grpSpPr>
-      <p:sp>
-        <p:nvSpPr>
-          <p:cNvPr id="165" name="Google Shape;165;p20"/>
-          <p:cNvSpPr txBox="1"/>
-          <p:nvPr>
-            <p:ph type="body" idx="1"/>
-          </p:nvPr>
-        </p:nvSpPr>
-        <p:spPr>
-          <a:xfrm>
-            <a:off x="795020" y="336550"/>
-            <a:ext cx="7529830" cy="4380230"/>
-          </a:xfrm>
-          <a:prstGeom prst="rect">
-            <a:avLst/>
-          </a:prstGeom>
-        </p:spPr>
-        <p:txBody>
-          <a:bodyPr spcFirstLastPara="1" wrap="square" lIns="91425" tIns="91425" rIns="91425" bIns="91425" anchor="t" anchorCtr="0">
-            <a:normAutofit/>
-          </a:bodyPr>
-          <a:lstStyle/>
-          <a:p>
-            <a:pPr marL="0" lvl="0" indent="0" algn="l" rtl="0">
+          <a:p>
+            <a:pPr marL="285750" lvl="0" indent="-285750" algn="l" rtl="0">
               <a:lnSpc>
-                <a:spcPct val="150000"/>
+                <a:spcPct val="130000"/>
               </a:lnSpc>
               <a:spcBef>
                 <a:spcPts val="1200"/>
               </a:spcBef>
               <a:spcAft>
-                <a:spcPts val="0"/>
-              </a:spcAft>
-              <a:buNone/>
-            </a:pPr>
-            <a:endParaRPr lang="en-GB" sz="2000" b="1" i="1">
-              <a:solidFill>
-                <a:srgbClr val="000000"/>
-              </a:solidFill>
-              <a:latin typeface="Times New Roman" panose="02020603050405020304"/>
-              <a:ea typeface="Times New Roman" panose="02020603050405020304"/>
-              <a:cs typeface="Times New Roman" panose="02020603050405020304"/>
-              <a:sym typeface="Times New Roman" panose="02020603050405020304"/>
-            </a:endParaRPr>
-          </a:p>
-          <a:p>
-            <a:pPr marL="342900" lvl="0" indent="-342900" algn="l" rtl="0">
-              <a:lnSpc>
-                <a:spcPct val="150000"/>
-              </a:lnSpc>
-              <a:spcBef>
-                <a:spcPts val="1200"/>
-              </a:spcBef>
-              <a:spcAft>
-                <a:spcPts val="0"/>
+                <a:spcPts val="1000"/>
               </a:spcAft>
               <a:buFont typeface="Wingdings" panose="05000000000000000000" charset="0"/>
-              <a:buChar char="Ø"/>
+              <a:buChar char="ü"/>
             </a:pPr>
             <a:r>
-              <a:rPr lang="en-GB" sz="2000" b="1" i="1">
+              <a:rPr lang="en-US" sz="1600">
                 <a:solidFill>
                   <a:srgbClr val="000000"/>
                 </a:solidFill>
@@ -10392,79 +9951,7 @@
               <a:t>Anaconda</a:t>
             </a:r>
             <a:r>
-              <a:rPr lang="en-US" altLang="en-GB" sz="2000" b="1" i="1">
-                <a:solidFill>
-                  <a:srgbClr val="000000"/>
-                </a:solidFill>
-                <a:latin typeface="Times New Roman" panose="02020603050405020304"/>
-                <a:ea typeface="Times New Roman" panose="02020603050405020304"/>
-                <a:cs typeface="Times New Roman" panose="02020603050405020304"/>
-                <a:sym typeface="Times New Roman" panose="02020603050405020304"/>
-              </a:rPr>
-              <a:t> : - </a:t>
-            </a:r>
-            <a:endParaRPr sz="2000" b="1" i="1">
-              <a:solidFill>
-                <a:srgbClr val="000000"/>
-              </a:solidFill>
-              <a:latin typeface="Times New Roman" panose="02020603050405020304"/>
-              <a:ea typeface="Times New Roman" panose="02020603050405020304"/>
-              <a:cs typeface="Times New Roman" panose="02020603050405020304"/>
-              <a:sym typeface="Times New Roman" panose="02020603050405020304"/>
-            </a:endParaRPr>
-          </a:p>
-          <a:p>
-            <a:pPr marL="285750" lvl="0" indent="-285750" algn="l" rtl="0">
-              <a:lnSpc>
-                <a:spcPct val="130000"/>
-              </a:lnSpc>
-              <a:spcBef>
-                <a:spcPts val="1200"/>
-              </a:spcBef>
-              <a:spcAft>
-                <a:spcPts val="1000"/>
-              </a:spcAft>
-              <a:buFont typeface="Wingdings" panose="05000000000000000000" charset="0"/>
-              <a:buChar char="v"/>
-            </a:pPr>
-            <a:endParaRPr lang="en-US" sz="1700">
-              <a:solidFill>
-                <a:srgbClr val="000000"/>
-              </a:solidFill>
-              <a:latin typeface="Times New Roman" panose="02020603050405020304"/>
-              <a:ea typeface="Times New Roman" panose="02020603050405020304"/>
-              <a:cs typeface="Times New Roman" panose="02020603050405020304"/>
-              <a:sym typeface="Times New Roman" panose="02020603050405020304"/>
-            </a:endParaRPr>
-          </a:p>
-          <a:p>
-            <a:pPr marL="285750" lvl="0" indent="-285750" algn="l" rtl="0">
-              <a:lnSpc>
-                <a:spcPct val="130000"/>
-              </a:lnSpc>
-              <a:spcBef>
-                <a:spcPts val="1200"/>
-              </a:spcBef>
-              <a:spcAft>
-                <a:spcPts val="1000"/>
-              </a:spcAft>
-              <a:buFont typeface="Wingdings" panose="05000000000000000000" charset="0"/>
-              <a:buChar char="v"/>
-            </a:pPr>
-            <a:r>
-              <a:rPr lang="en-US" sz="1700">
-                <a:solidFill>
-                  <a:srgbClr val="000000"/>
-                </a:solidFill>
-                <a:latin typeface="Times New Roman" panose="02020603050405020304"/>
-                <a:ea typeface="Times New Roman" panose="02020603050405020304"/>
-                <a:cs typeface="Times New Roman" panose="02020603050405020304"/>
-                <a:sym typeface="Times New Roman" panose="02020603050405020304"/>
-              </a:rPr>
-              <a:t>Anaconda</a:t>
-            </a:r>
-            <a:r>
-              <a:rPr sz="1700">
+              <a:rPr sz="1600">
                 <a:solidFill>
                   <a:srgbClr val="000000"/>
                 </a:solidFill>
@@ -10476,7 +9963,7 @@
               <a:t> aims to simplify package management and deployment.</a:t>
             </a:r>
             <a:r>
-              <a:rPr lang="en-GB" sz="1700">
+              <a:rPr lang="en-GB" sz="1600">
                 <a:solidFill>
                   <a:srgbClr val="000000"/>
                 </a:solidFill>
@@ -10487,7 +9974,7 @@
               </a:rPr>
               <a:t> </a:t>
             </a:r>
-            <a:endParaRPr lang="en-GB" sz="1700">
+            <a:endParaRPr lang="en-GB" sz="1600">
               <a:solidFill>
                 <a:srgbClr val="000000"/>
               </a:solidFill>
@@ -10509,10 +9996,10 @@
                 <a:spcPts val="1000"/>
               </a:spcAft>
               <a:buFont typeface="Wingdings" panose="05000000000000000000" charset="0"/>
-              <a:buChar char="v"/>
+              <a:buChar char="ü"/>
             </a:pPr>
             <a:r>
-              <a:rPr lang="en-GB" sz="1700">
+              <a:rPr lang="en-GB" sz="1600">
                 <a:solidFill>
                   <a:srgbClr val="000000"/>
                 </a:solidFill>
@@ -10523,7 +10010,7 @@
               </a:rPr>
               <a:t>The distribution includes data-science packages suitable for Windows, Linux, and macOS.</a:t>
             </a:r>
-            <a:endParaRPr sz="1700">
+            <a:endParaRPr sz="1600">
               <a:solidFill>
                 <a:srgbClr val="000000"/>
               </a:solidFill>
@@ -10544,9 +10031,10 @@
               <a:spcAft>
                 <a:spcPts val="1000"/>
               </a:spcAft>
-              <a:buNone/>
+              <a:buFont typeface="Wingdings" panose="05000000000000000000" charset="0"/>
+              <a:buChar char="Ø"/>
             </a:pPr>
-            <a:endParaRPr sz="1700">
+            <a:endParaRPr lang="en-GB" sz="1600">
               <a:solidFill>
                 <a:srgbClr val="000000"/>
               </a:solidFill>
@@ -10558,30 +10046,6 @@
           </a:p>
         </p:txBody>
       </p:sp>
-      <p:pic>
-        <p:nvPicPr>
-          <p:cNvPr id="2" name="Picture 1" descr="Anaconda_Logo"/>
-          <p:cNvPicPr>
-            <a:picLocks noChangeAspect="1"/>
-          </p:cNvPicPr>
-          <p:nvPr/>
-        </p:nvPicPr>
-        <p:blipFill>
-          <a:blip r:embed="rId1"/>
-          <a:stretch>
-            <a:fillRect/>
-          </a:stretch>
-        </p:blipFill>
-        <p:spPr>
-          <a:xfrm>
-            <a:off x="5603240" y="584835"/>
-            <a:ext cx="1854200" cy="925195"/>
-          </a:xfrm>
-          <a:prstGeom prst="rect">
-            <a:avLst/>
-          </a:prstGeom>
-        </p:spPr>
-      </p:pic>
     </p:spTree>
   </p:cSld>
   <p:clrMapOvr>
@@ -10590,207 +10054,7 @@
 </p:sld>
 </file>
 
-<file path=ppt/slides/slide15.xml><?xml version="1.0" encoding="utf-8"?>
-<p:sld xmlns:a="http://schemas.openxmlformats.org/drawingml/2006/main" xmlns:r="http://schemas.openxmlformats.org/officeDocument/2006/relationships" xmlns:p="http://schemas.openxmlformats.org/presentationml/2006/main">
-  <p:cSld>
-    <p:spTree>
-      <p:nvGrpSpPr>
-        <p:cNvPr id="169" name="Shape 169"/>
-        <p:cNvGrpSpPr/>
-        <p:nvPr/>
-      </p:nvGrpSpPr>
-      <p:grpSpPr>
-        <a:xfrm>
-          <a:off x="0" y="0"/>
-          <a:ext cx="0" cy="0"/>
-          <a:chOff x="0" y="0"/>
-          <a:chExt cx="0" cy="0"/>
-        </a:xfrm>
-      </p:grpSpPr>
-      <p:sp>
-        <p:nvSpPr>
-          <p:cNvPr id="170" name="Google Shape;170;p21"/>
-          <p:cNvSpPr txBox="1"/>
-          <p:nvPr>
-            <p:ph type="body" idx="1"/>
-          </p:nvPr>
-        </p:nvSpPr>
-        <p:spPr>
-          <a:xfrm>
-            <a:off x="831825" y="720925"/>
-            <a:ext cx="7493100" cy="3717900"/>
-          </a:xfrm>
-          <a:prstGeom prst="rect">
-            <a:avLst/>
-          </a:prstGeom>
-        </p:spPr>
-        <p:txBody>
-          <a:bodyPr spcFirstLastPara="1" wrap="square" lIns="91425" tIns="91425" rIns="91425" bIns="91425" anchor="t" anchorCtr="0">
-            <a:normAutofit lnSpcReduction="10000"/>
-          </a:bodyPr>
-          <a:lstStyle/>
-          <a:p>
-            <a:pPr marL="0" lvl="0" indent="0" algn="l" rtl="0">
-              <a:spcBef>
-                <a:spcPts val="400"/>
-              </a:spcBef>
-              <a:spcAft>
-                <a:spcPts val="0"/>
-              </a:spcAft>
-              <a:buNone/>
-            </a:pPr>
-          </a:p>
-          <a:p>
-            <a:pPr marL="342900" lvl="0" indent="-342900" algn="l" rtl="0">
-              <a:spcBef>
-                <a:spcPts val="1200"/>
-              </a:spcBef>
-              <a:spcAft>
-                <a:spcPts val="1200"/>
-              </a:spcAft>
-              <a:buFont typeface="Wingdings" panose="05000000000000000000" charset="0"/>
-              <a:buChar char="Ø"/>
-            </a:pPr>
-            <a:r>
-              <a:rPr lang="en-US" altLang="en-GB" sz="2000" b="1" i="1">
-                <a:solidFill>
-                  <a:srgbClr val="000000"/>
-                </a:solidFill>
-                <a:latin typeface="Times New Roman" panose="02020603050405020304" charset="0"/>
-                <a:ea typeface="Arial" panose="020B0604020202020204"/>
-                <a:cs typeface="Times New Roman" panose="02020603050405020304" charset="0"/>
-                <a:sym typeface="Arial" panose="020B0604020202020204"/>
-              </a:rPr>
-              <a:t>Jupyter Notebook : - </a:t>
-            </a:r>
-            <a:endParaRPr lang="en-GB" sz="2000" b="1" i="1">
-              <a:solidFill>
-                <a:srgbClr val="000000"/>
-              </a:solidFill>
-              <a:latin typeface="Times New Roman" panose="02020603050405020304" charset="0"/>
-              <a:ea typeface="Arial" panose="020B0604020202020204"/>
-              <a:cs typeface="Times New Roman" panose="02020603050405020304" charset="0"/>
-              <a:sym typeface="Arial" panose="020B0604020202020204"/>
-            </a:endParaRPr>
-          </a:p>
-          <a:p>
-            <a:pPr marL="285750" lvl="0" indent="-285750" algn="l" rtl="0">
-              <a:lnSpc>
-                <a:spcPct val="150000"/>
-              </a:lnSpc>
-              <a:spcBef>
-                <a:spcPts val="1200"/>
-              </a:spcBef>
-              <a:spcAft>
-                <a:spcPts val="1200"/>
-              </a:spcAft>
-              <a:buFont typeface="Wingdings" panose="05000000000000000000" charset="0"/>
-              <a:buChar char="v"/>
-            </a:pPr>
-            <a:endParaRPr lang="en-US" altLang="en-GB" sz="1700">
-              <a:solidFill>
-                <a:srgbClr val="000000"/>
-              </a:solidFill>
-              <a:latin typeface="Times New Roman" panose="02020603050405020304" charset="0"/>
-              <a:ea typeface="Arial" panose="020B0604020202020204"/>
-              <a:cs typeface="Times New Roman" panose="02020603050405020304" charset="0"/>
-              <a:sym typeface="Arial" panose="020B0604020202020204"/>
-            </a:endParaRPr>
-          </a:p>
-          <a:p>
-            <a:pPr marL="285750" lvl="0" indent="-285750" algn="l" rtl="0">
-              <a:lnSpc>
-                <a:spcPct val="150000"/>
-              </a:lnSpc>
-              <a:spcBef>
-                <a:spcPts val="1200"/>
-              </a:spcBef>
-              <a:spcAft>
-                <a:spcPts val="1200"/>
-              </a:spcAft>
-              <a:buFont typeface="Wingdings" panose="05000000000000000000" charset="0"/>
-              <a:buChar char="v"/>
-            </a:pPr>
-            <a:r>
-              <a:rPr lang="en-US" altLang="en-GB" sz="1700">
-                <a:solidFill>
-                  <a:srgbClr val="000000"/>
-                </a:solidFill>
-                <a:latin typeface="Times New Roman" panose="02020603050405020304" charset="0"/>
-                <a:ea typeface="Arial" panose="020B0604020202020204"/>
-                <a:cs typeface="Times New Roman" panose="02020603050405020304" charset="0"/>
-                <a:sym typeface="Arial" panose="020B0604020202020204"/>
-              </a:rPr>
-              <a:t>The Jupyter Notebook is an incredibly powerful tool for interactively developing and presenting data science projects. </a:t>
-            </a:r>
-            <a:endParaRPr lang="en-US" altLang="en-GB" sz="1700">
-              <a:solidFill>
-                <a:srgbClr val="000000"/>
-              </a:solidFill>
-              <a:latin typeface="Times New Roman" panose="02020603050405020304" charset="0"/>
-              <a:ea typeface="Arial" panose="020B0604020202020204"/>
-              <a:cs typeface="Times New Roman" panose="02020603050405020304" charset="0"/>
-              <a:sym typeface="Arial" panose="020B0604020202020204"/>
-            </a:endParaRPr>
-          </a:p>
-          <a:p>
-            <a:pPr marL="285750" lvl="0" indent="-285750" algn="l" rtl="0">
-              <a:lnSpc>
-                <a:spcPct val="150000"/>
-              </a:lnSpc>
-              <a:spcBef>
-                <a:spcPts val="1200"/>
-              </a:spcBef>
-              <a:spcAft>
-                <a:spcPts val="1200"/>
-              </a:spcAft>
-              <a:buNone/>
-            </a:pPr>
-            <a:endParaRPr lang="en-GB" sz="1700">
-              <a:solidFill>
-                <a:srgbClr val="000000"/>
-              </a:solidFill>
-              <a:latin typeface="Times New Roman" panose="02020603050405020304" charset="0"/>
-              <a:ea typeface="Arial" panose="020B0604020202020204"/>
-              <a:cs typeface="Times New Roman" panose="02020603050405020304" charset="0"/>
-              <a:sym typeface="Arial" panose="020B0604020202020204"/>
-            </a:endParaRPr>
-          </a:p>
-        </p:txBody>
-      </p:sp>
-      <p:pic>
-        <p:nvPicPr>
-          <p:cNvPr id="2" name="Picture 1" descr="index"/>
-          <p:cNvPicPr>
-            <a:picLocks noChangeAspect="1"/>
-          </p:cNvPicPr>
-          <p:nvPr/>
-        </p:nvPicPr>
-        <p:blipFill>
-          <a:blip r:embed="rId1"/>
-          <a:stretch>
-            <a:fillRect/>
-          </a:stretch>
-        </p:blipFill>
-        <p:spPr>
-          <a:xfrm>
-            <a:off x="6192520" y="720725"/>
-            <a:ext cx="1047750" cy="1219200"/>
-          </a:xfrm>
-          <a:prstGeom prst="rect">
-            <a:avLst/>
-          </a:prstGeom>
-        </p:spPr>
-      </p:pic>
-    </p:spTree>
-  </p:cSld>
-  <p:clrMapOvr>
-    <a:masterClrMapping/>
-  </p:clrMapOvr>
-</p:sld>
-</file>
-
-<file path=ppt/slides/slide16.xml><?xml version="1.0" encoding="utf-8"?>
+<file path=ppt/slides/slide13.xml><?xml version="1.0" encoding="utf-8"?>
 <p:sld xmlns:a="http://schemas.openxmlformats.org/drawingml/2006/main" xmlns:r="http://schemas.openxmlformats.org/officeDocument/2006/relationships" xmlns:p="http://schemas.openxmlformats.org/presentationml/2006/main">
   <p:cSld>
     <p:spTree>
@@ -11059,7 +10323,7 @@
 </p:sld>
 </file>
 
-<file path=ppt/slides/slide17.xml><?xml version="1.0" encoding="utf-8"?>
+<file path=ppt/slides/slide14.xml><?xml version="1.0" encoding="utf-8"?>
 <p:sld xmlns:a="http://schemas.openxmlformats.org/drawingml/2006/main" xmlns:r="http://schemas.openxmlformats.org/officeDocument/2006/relationships" xmlns:p="http://schemas.openxmlformats.org/presentationml/2006/main">
   <p:cSld>
     <p:spTree>
@@ -11120,7 +10384,7 @@
       </p:sp>
       <p:pic>
         <p:nvPicPr>
-          <p:cNvPr id="2" name="Picture 1" descr="Screenshot (204)"/>
+          <p:cNvPr id="3" name="Picture 2" descr="Screenshot (232)"/>
           <p:cNvPicPr>
             <a:picLocks noChangeAspect="1"/>
           </p:cNvPicPr>
@@ -11134,8 +10398,230 @@
         </p:blipFill>
         <p:spPr>
           <a:xfrm>
-            <a:off x="-74930" y="544195"/>
-            <a:ext cx="9218295" cy="4598035"/>
+            <a:off x="0" y="572770"/>
+            <a:ext cx="9144000" cy="4569460"/>
+          </a:xfrm>
+          <a:prstGeom prst="rect">
+            <a:avLst/>
+          </a:prstGeom>
+        </p:spPr>
+      </p:pic>
+    </p:spTree>
+  </p:cSld>
+  <p:clrMapOvr>
+    <a:masterClrMapping/>
+  </p:clrMapOvr>
+</p:sld>
+</file>
+
+<file path=ppt/slides/slide15.xml><?xml version="1.0" encoding="utf-8"?>
+<p:sld xmlns:a="http://schemas.openxmlformats.org/drawingml/2006/main" xmlns:r="http://schemas.openxmlformats.org/officeDocument/2006/relationships" xmlns:p="http://schemas.openxmlformats.org/presentationml/2006/main">
+  <p:cSld>
+    <p:spTree>
+      <p:nvGrpSpPr>
+        <p:cNvPr id="1" name=""/>
+        <p:cNvGrpSpPr/>
+        <p:nvPr/>
+      </p:nvGrpSpPr>
+      <p:grpSpPr/>
+      <p:sp>
+        <p:nvSpPr>
+          <p:cNvPr id="2" name="Title 1"/>
+          <p:cNvSpPr/>
+          <p:nvPr>
+            <p:ph type="title"/>
+          </p:nvPr>
+        </p:nvSpPr>
+        <p:spPr/>
+        <p:txBody>
+          <a:bodyPr/>
+          <a:p>
+            <a:endParaRPr lang="en-US"/>
+          </a:p>
+        </p:txBody>
+      </p:sp>
+      <p:sp>
+        <p:nvSpPr>
+          <p:cNvPr id="3" name="Text Placeholder 2"/>
+          <p:cNvSpPr/>
+          <p:nvPr>
+            <p:ph type="body" idx="1"/>
+          </p:nvPr>
+        </p:nvSpPr>
+        <p:spPr/>
+        <p:txBody>
+          <a:bodyPr/>
+          <a:p>
+            <a:endParaRPr lang="en-US"/>
+          </a:p>
+        </p:txBody>
+      </p:sp>
+      <p:pic>
+        <p:nvPicPr>
+          <p:cNvPr id="5" name="Picture 4" descr="Screenshot (233)"/>
+          <p:cNvPicPr>
+            <a:picLocks noChangeAspect="1"/>
+          </p:cNvPicPr>
+          <p:nvPr/>
+        </p:nvPicPr>
+        <p:blipFill>
+          <a:blip r:embed="rId1"/>
+          <a:stretch>
+            <a:fillRect/>
+          </a:stretch>
+        </p:blipFill>
+        <p:spPr>
+          <a:xfrm>
+            <a:off x="0" y="1270"/>
+            <a:ext cx="9144000" cy="5140960"/>
+          </a:xfrm>
+          <a:prstGeom prst="rect">
+            <a:avLst/>
+          </a:prstGeom>
+        </p:spPr>
+      </p:pic>
+    </p:spTree>
+  </p:cSld>
+  <p:clrMapOvr>
+    <a:masterClrMapping/>
+  </p:clrMapOvr>
+</p:sld>
+</file>
+
+<file path=ppt/slides/slide16.xml><?xml version="1.0" encoding="utf-8"?>
+<p:sld xmlns:a="http://schemas.openxmlformats.org/drawingml/2006/main" xmlns:r="http://schemas.openxmlformats.org/officeDocument/2006/relationships" xmlns:p="http://schemas.openxmlformats.org/presentationml/2006/main">
+  <p:cSld>
+    <p:spTree>
+      <p:nvGrpSpPr>
+        <p:cNvPr id="1" name=""/>
+        <p:cNvGrpSpPr/>
+        <p:nvPr/>
+      </p:nvGrpSpPr>
+      <p:grpSpPr/>
+      <p:sp>
+        <p:nvSpPr>
+          <p:cNvPr id="2" name="Title 1"/>
+          <p:cNvSpPr/>
+          <p:nvPr>
+            <p:ph type="title"/>
+          </p:nvPr>
+        </p:nvSpPr>
+        <p:spPr/>
+        <p:txBody>
+          <a:bodyPr/>
+          <a:p>
+            <a:endParaRPr lang="en-US"/>
+          </a:p>
+        </p:txBody>
+      </p:sp>
+      <p:sp>
+        <p:nvSpPr>
+          <p:cNvPr id="3" name="Text Placeholder 2"/>
+          <p:cNvSpPr/>
+          <p:nvPr>
+            <p:ph type="body" idx="1"/>
+          </p:nvPr>
+        </p:nvSpPr>
+        <p:spPr/>
+        <p:txBody>
+          <a:bodyPr/>
+          <a:p>
+            <a:endParaRPr lang="en-US"/>
+          </a:p>
+        </p:txBody>
+      </p:sp>
+      <p:pic>
+        <p:nvPicPr>
+          <p:cNvPr id="5" name="Picture 4" descr="Screenshot (234)"/>
+          <p:cNvPicPr>
+            <a:picLocks noChangeAspect="1"/>
+          </p:cNvPicPr>
+          <p:nvPr/>
+        </p:nvPicPr>
+        <p:blipFill>
+          <a:blip r:embed="rId1"/>
+          <a:stretch>
+            <a:fillRect/>
+          </a:stretch>
+        </p:blipFill>
+        <p:spPr>
+          <a:xfrm>
+            <a:off x="0" y="1270"/>
+            <a:ext cx="9144000" cy="5140960"/>
+          </a:xfrm>
+          <a:prstGeom prst="rect">
+            <a:avLst/>
+          </a:prstGeom>
+        </p:spPr>
+      </p:pic>
+    </p:spTree>
+  </p:cSld>
+  <p:clrMapOvr>
+    <a:masterClrMapping/>
+  </p:clrMapOvr>
+</p:sld>
+</file>
+
+<file path=ppt/slides/slide17.xml><?xml version="1.0" encoding="utf-8"?>
+<p:sld xmlns:a="http://schemas.openxmlformats.org/drawingml/2006/main" xmlns:r="http://schemas.openxmlformats.org/officeDocument/2006/relationships" xmlns:p="http://schemas.openxmlformats.org/presentationml/2006/main">
+  <p:cSld>
+    <p:spTree>
+      <p:nvGrpSpPr>
+        <p:cNvPr id="1" name=""/>
+        <p:cNvGrpSpPr/>
+        <p:nvPr/>
+      </p:nvGrpSpPr>
+      <p:grpSpPr/>
+      <p:sp>
+        <p:nvSpPr>
+          <p:cNvPr id="2" name="Title 1"/>
+          <p:cNvSpPr/>
+          <p:nvPr>
+            <p:ph type="title"/>
+          </p:nvPr>
+        </p:nvSpPr>
+        <p:spPr/>
+        <p:txBody>
+          <a:bodyPr/>
+          <a:p>
+            <a:endParaRPr lang="en-US"/>
+          </a:p>
+        </p:txBody>
+      </p:sp>
+      <p:sp>
+        <p:nvSpPr>
+          <p:cNvPr id="3" name="Text Placeholder 2"/>
+          <p:cNvSpPr/>
+          <p:nvPr>
+            <p:ph type="body" idx="1"/>
+          </p:nvPr>
+        </p:nvSpPr>
+        <p:spPr/>
+        <p:txBody>
+          <a:bodyPr/>
+          <a:p>
+            <a:endParaRPr lang="en-US"/>
+          </a:p>
+        </p:txBody>
+      </p:sp>
+      <p:pic>
+        <p:nvPicPr>
+          <p:cNvPr id="5" name="Picture 4" descr="Screenshot (235)"/>
+          <p:cNvPicPr>
+            <a:picLocks noChangeAspect="1"/>
+          </p:cNvPicPr>
+          <p:nvPr/>
+        </p:nvPicPr>
+        <p:blipFill>
+          <a:blip r:embed="rId1"/>
+          <a:stretch>
+            <a:fillRect/>
+          </a:stretch>
+        </p:blipFill>
+        <p:spPr>
+          <a:xfrm>
+            <a:off x="0" y="1270"/>
+            <a:ext cx="9144000" cy="5140960"/>
           </a:xfrm>
           <a:prstGeom prst="rect">
             <a:avLst/>
@@ -11194,7 +10680,7 @@
       </p:sp>
       <p:pic>
         <p:nvPicPr>
-          <p:cNvPr id="4" name="Picture 3" descr="Screenshot (205)"/>
+          <p:cNvPr id="5" name="Picture 4" descr="Screenshot (236)"/>
           <p:cNvPicPr>
             <a:picLocks noChangeAspect="1"/>
           </p:cNvPicPr>
@@ -11268,7 +10754,7 @@
       </p:sp>
       <p:pic>
         <p:nvPicPr>
-          <p:cNvPr id="4" name="Picture 3" descr="Screenshot (206)"/>
+          <p:cNvPr id="4" name="Picture 3" descr="Screenshot (237)"/>
           <p:cNvPicPr>
             <a:picLocks noChangeAspect="1"/>
           </p:cNvPicPr>
@@ -11629,7 +11115,7 @@
       </p:sp>
       <p:pic>
         <p:nvPicPr>
-          <p:cNvPr id="4" name="Picture 3" descr="Screenshot (207)"/>
+          <p:cNvPr id="4" name="Picture 3" descr="Screenshot (238)"/>
           <p:cNvPicPr>
             <a:picLocks noChangeAspect="1"/>
           </p:cNvPicPr>
@@ -11703,7 +11189,7 @@
       </p:sp>
       <p:pic>
         <p:nvPicPr>
-          <p:cNvPr id="4" name="Picture 3" descr="Screenshot (208)"/>
+          <p:cNvPr id="4" name="Picture 3" descr="Screenshot (239)"/>
           <p:cNvPicPr>
             <a:picLocks noChangeAspect="1"/>
           </p:cNvPicPr>
@@ -11777,7 +11263,7 @@
       </p:sp>
       <p:pic>
         <p:nvPicPr>
-          <p:cNvPr id="4" name="Picture 3" descr="Screenshot (209)"/>
+          <p:cNvPr id="4" name="Picture 3" descr="Screenshot (240)"/>
           <p:cNvPicPr>
             <a:picLocks noChangeAspect="1"/>
           </p:cNvPicPr>
@@ -11808,6 +11294,122 @@
 </file>
 
 <file path=ppt/slides/slide23.xml><?xml version="1.0" encoding="utf-8"?>
+<p:sld xmlns:a="http://schemas.openxmlformats.org/drawingml/2006/main" xmlns:r="http://schemas.openxmlformats.org/officeDocument/2006/relationships" xmlns:p="http://schemas.openxmlformats.org/presentationml/2006/main">
+  <p:cSld>
+    <p:spTree>
+      <p:nvGrpSpPr>
+        <p:cNvPr id="1" name=""/>
+        <p:cNvGrpSpPr/>
+        <p:nvPr/>
+      </p:nvGrpSpPr>
+      <p:grpSpPr/>
+      <p:sp>
+        <p:nvSpPr>
+          <p:cNvPr id="2" name="Title 1"/>
+          <p:cNvSpPr/>
+          <p:nvPr>
+            <p:ph type="title"/>
+          </p:nvPr>
+        </p:nvSpPr>
+        <p:spPr/>
+        <p:txBody>
+          <a:bodyPr/>
+          <a:p>
+            <a:endParaRPr lang="en-US"/>
+          </a:p>
+        </p:txBody>
+      </p:sp>
+      <p:sp>
+        <p:nvSpPr>
+          <p:cNvPr id="3" name="Text Placeholder 2"/>
+          <p:cNvSpPr/>
+          <p:nvPr>
+            <p:ph type="body" idx="1"/>
+          </p:nvPr>
+        </p:nvSpPr>
+        <p:spPr/>
+        <p:txBody>
+          <a:bodyPr/>
+          <a:p>
+            <a:endParaRPr lang="en-US"/>
+          </a:p>
+        </p:txBody>
+      </p:sp>
+      <p:pic>
+        <p:nvPicPr>
+          <p:cNvPr id="4" name="Picture 3" descr="Screenshot (241)"/>
+          <p:cNvPicPr>
+            <a:picLocks noChangeAspect="1"/>
+          </p:cNvPicPr>
+          <p:nvPr/>
+        </p:nvPicPr>
+        <p:blipFill>
+          <a:blip r:embed="rId1"/>
+          <a:stretch>
+            <a:fillRect/>
+          </a:stretch>
+        </p:blipFill>
+        <p:spPr>
+          <a:xfrm>
+            <a:off x="0" y="1270"/>
+            <a:ext cx="9144000" cy="5140960"/>
+          </a:xfrm>
+          <a:prstGeom prst="rect">
+            <a:avLst/>
+          </a:prstGeom>
+        </p:spPr>
+      </p:pic>
+    </p:spTree>
+  </p:cSld>
+  <p:clrMapOvr>
+    <a:masterClrMapping/>
+  </p:clrMapOvr>
+</p:sld>
+</file>
+
+<file path=ppt/slides/slide24.xml><?xml version="1.0" encoding="utf-8"?>
+<p:sld xmlns:a="http://schemas.openxmlformats.org/drawingml/2006/main" xmlns:r="http://schemas.openxmlformats.org/officeDocument/2006/relationships" xmlns:p="http://schemas.openxmlformats.org/presentationml/2006/main">
+  <p:cSld>
+    <p:spTree>
+      <p:nvGrpSpPr>
+        <p:cNvPr id="1" name=""/>
+        <p:cNvGrpSpPr/>
+        <p:nvPr/>
+      </p:nvGrpSpPr>
+      <p:grpSpPr/>
+      <p:pic>
+        <p:nvPicPr>
+          <p:cNvPr id="5" name="Picture 4"/>
+          <p:cNvPicPr>
+            <a:picLocks noChangeAspect="1"/>
+          </p:cNvPicPr>
+          <p:nvPr/>
+        </p:nvPicPr>
+        <p:blipFill>
+          <a:blip r:embed="rId1"/>
+          <a:stretch>
+            <a:fillRect/>
+          </a:stretch>
+        </p:blipFill>
+        <p:spPr>
+          <a:xfrm>
+            <a:off x="1905" y="3175"/>
+            <a:ext cx="9142095" cy="5140325"/>
+          </a:xfrm>
+          <a:prstGeom prst="rect">
+            <a:avLst/>
+          </a:prstGeom>
+        </p:spPr>
+      </p:pic>
+    </p:spTree>
+  </p:cSld>
+  <p:clrMapOvr>
+    <a:masterClrMapping/>
+  </p:clrMapOvr>
+</p:sld>
+</file>
+
+<file path=ppt/slides/slide25.xml><?xml version="1.0" encoding="utf-8"?>
 <p:sld xmlns:a="http://schemas.openxmlformats.org/drawingml/2006/main" xmlns:r="http://schemas.openxmlformats.org/officeDocument/2006/relationships" xmlns:p="http://schemas.openxmlformats.org/presentationml/2006/main">
   <p:cSld>
     <p:spTree>
@@ -11996,7 +11598,7 @@
 </p:sld>
 </file>
 
-<file path=ppt/slides/slide24.xml><?xml version="1.0" encoding="utf-8"?>
+<file path=ppt/slides/slide26.xml><?xml version="1.0" encoding="utf-8"?>
 <p:sld xmlns:a="http://schemas.openxmlformats.org/drawingml/2006/main" xmlns:r="http://schemas.openxmlformats.org/officeDocument/2006/relationships" xmlns:p="http://schemas.openxmlformats.org/presentationml/2006/main">
   <p:cSld>
     <p:spTree>
@@ -12099,7 +11701,7 @@
         </p:spPr>
         <p:txBody>
           <a:bodyPr>
-            <a:normAutofit fontScale="90000" lnSpcReduction="10000"/>
+            <a:normAutofit/>
           </a:bodyPr>
           <a:p>
             <a:pPr>
@@ -12139,7 +11741,7 @@
             </a:pPr>
             <a:r>
               <a:rPr lang="en-US"/>
-              <a:t>HOW ASSOCIATION RULE WORK......................................................................................... 6-7</a:t>
+              <a:t>HOW ASSOCIATION RULE WORK......................................................................................... 6</a:t>
             </a:r>
             <a:endParaRPr lang="en-US"/>
           </a:p>
@@ -12153,7 +11755,7 @@
             </a:pPr>
             <a:r>
               <a:rPr lang="en-US"/>
-              <a:t>ALGORITHMS USED(APRIORI ALGORITHM)......................................................................... 8</a:t>
+              <a:t>ALGORITHMS USED(APRIORI ALGORITHM)......................................................................... 7</a:t>
             </a:r>
             <a:endParaRPr lang="en-US"/>
           </a:p>
@@ -12167,7 +11769,7 @@
             </a:pPr>
             <a:r>
               <a:rPr lang="en-US"/>
-              <a:t>IMAGE EXMPLE OF APRIORI ALGORITHM............................................................................ 9</a:t>
+              <a:t>IMAGE EXMPLE OF APRIORI ALGORITHM............................................................................ 8</a:t>
             </a:r>
             <a:endParaRPr lang="en-US"/>
           </a:p>
@@ -12181,7 +11783,7 @@
             </a:pPr>
             <a:r>
               <a:rPr lang="en-US"/>
-              <a:t>REAL WORLD USE CASES FOR ASSOCIATION RULES............................................................. 10-11</a:t>
+              <a:t>REAL WORLD USE CASES FOR ASSOCIATION RULES............................................................. 9</a:t>
             </a:r>
             <a:endParaRPr lang="en-US"/>
           </a:p>
@@ -12195,7 +11797,7 @@
             </a:pPr>
             <a:r>
               <a:rPr lang="en-US"/>
-              <a:t>TECHNOLOGIES USED(PYTHON)........................................................................................... 12</a:t>
+              <a:t>TECHNOLOGIES USED(PYTHON)........................................................................................... 10-11</a:t>
             </a:r>
             <a:endParaRPr lang="en-US"/>
           </a:p>
@@ -12209,7 +11811,7 @@
             </a:pPr>
             <a:r>
               <a:rPr lang="en-US"/>
-              <a:t>SOFTWARE REQUIREMENTS................................................................................................. 13</a:t>
+              <a:t>SOFTWARE REQUIREMENTS................................................................................................. 12</a:t>
             </a:r>
             <a:endParaRPr lang="en-US"/>
           </a:p>
@@ -12223,7 +11825,7 @@
             </a:pPr>
             <a:r>
               <a:rPr lang="en-US"/>
-              <a:t>ANACONDA........................................................................................................................... 14</a:t>
+              <a:t>HARDWARE REQUIREMENTS................................................................................................ 13</a:t>
             </a:r>
             <a:endParaRPr lang="en-US"/>
           </a:p>
@@ -12237,7 +11839,7 @@
             </a:pPr>
             <a:r>
               <a:rPr lang="en-US"/>
-              <a:t>JUPYTER NOTEBOOK............................................................................................................. 15</a:t>
+              <a:t>SCREENSHOTS....................................................................................................................... 14-24</a:t>
             </a:r>
             <a:endParaRPr lang="en-US"/>
           </a:p>
@@ -12251,35 +11853,7 @@
             </a:pPr>
             <a:r>
               <a:rPr lang="en-US"/>
-              <a:t>HARDWARE REQUIREMENTS................................................................................................ 16</a:t>
-            </a:r>
-            <a:endParaRPr lang="en-US"/>
-          </a:p>
-          <a:p>
-            <a:pPr>
-              <a:lnSpc>
-                <a:spcPct val="145000"/>
-              </a:lnSpc>
-              <a:buFont typeface="Wingdings" panose="05000000000000000000" charset="0"/>
-              <a:buChar char="ü"/>
-            </a:pPr>
-            <a:r>
-              <a:rPr lang="en-US"/>
-              <a:t>SCREENSHOTS....................................................................................................................... 17-22</a:t>
-            </a:r>
-            <a:endParaRPr lang="en-US"/>
-          </a:p>
-          <a:p>
-            <a:pPr>
-              <a:lnSpc>
-                <a:spcPct val="145000"/>
-              </a:lnSpc>
-              <a:buFont typeface="Wingdings" panose="05000000000000000000" charset="0"/>
-              <a:buChar char="ü"/>
-            </a:pPr>
-            <a:r>
-              <a:rPr lang="en-US"/>
-              <a:t>CONCLUSION......................................................................................................................... 23</a:t>
+              <a:t>CONCLUSION......................................................................................................................... 25</a:t>
             </a:r>
             <a:endParaRPr lang="en-US"/>
           </a:p>
@@ -12405,11 +11979,36 @@
               <a:buChar char="v"/>
             </a:pPr>
             <a:r>
+              <a:rPr lang="en-US" altLang="en-GB" sz="1800">
+                <a:latin typeface="Times New Roman" panose="02020603050405020304" charset="0"/>
+                <a:cs typeface="Times New Roman" panose="02020603050405020304" charset="0"/>
+                <a:sym typeface="+mn-ea"/>
+              </a:rPr>
+              <a:t>W</a:t>
+            </a:r>
+            <a:r>
               <a:rPr lang="en-GB" sz="1800">
                 <a:latin typeface="Times New Roman" panose="02020603050405020304" charset="0"/>
                 <a:cs typeface="Times New Roman" panose="02020603050405020304" charset="0"/>
+                <a:sym typeface="+mn-ea"/>
               </a:rPr>
-              <a:t>We in this project will mine association rules using apriori algorithm in jupyter notebook which is installed with anaconda.</a:t>
+              <a:t>e will add some data , </a:t>
+            </a:r>
+            <a:r>
+              <a:rPr lang="en-US" altLang="en-GB" sz="1800">
+                <a:latin typeface="Times New Roman" panose="02020603050405020304" charset="0"/>
+                <a:cs typeface="Times New Roman" panose="02020603050405020304" charset="0"/>
+                <a:sym typeface="+mn-ea"/>
+              </a:rPr>
+              <a:t>find frequent itemsets </a:t>
+            </a:r>
+            <a:r>
+              <a:rPr lang="en-US" sz="1800">
+                <a:latin typeface="Times New Roman" panose="02020603050405020304" charset="0"/>
+                <a:cs typeface="Times New Roman" panose="02020603050405020304" charset="0"/>
+                <a:sym typeface="+mn-ea"/>
+              </a:rPr>
+              <a:t>using apriori algorithm.</a:t>
             </a:r>
             <a:endParaRPr lang="en-GB" sz="1800">
               <a:latin typeface="Times New Roman" panose="02020603050405020304" charset="0"/>
@@ -12422,55 +12021,34 @@
                 <a:spcPct val="150000"/>
               </a:lnSpc>
               <a:spcBef>
-                <a:spcPts val="1200"/>
-              </a:spcBef>
-              <a:spcAft>
-                <a:spcPts val="1200"/>
+                <a:spcPts val="0"/>
+              </a:spcBef>
+              <a:spcAft>
+                <a:spcPts val="0"/>
               </a:spcAft>
               <a:buFont typeface="Wingdings" panose="05000000000000000000" charset="0"/>
               <a:buChar char="v"/>
             </a:pPr>
+            <a:r>
+              <a:rPr lang="en-US" altLang="en-GB" sz="1800">
+                <a:latin typeface="Times New Roman" panose="02020603050405020304" charset="0"/>
+                <a:cs typeface="Times New Roman" panose="02020603050405020304" charset="0"/>
+              </a:rPr>
+              <a:t>M</a:t>
+            </a:r>
             <a:r>
               <a:rPr lang="en-GB" sz="1800">
                 <a:latin typeface="Times New Roman" panose="02020603050405020304" charset="0"/>
                 <a:cs typeface="Times New Roman" panose="02020603050405020304" charset="0"/>
               </a:rPr>
-              <a:t>In this project we will add some data , </a:t>
+              <a:t>ine association rules using </a:t>
             </a:r>
             <a:r>
               <a:rPr lang="en-US" altLang="en-GB" sz="1800">
                 <a:latin typeface="Times New Roman" panose="02020603050405020304" charset="0"/>
                 <a:cs typeface="Times New Roman" panose="02020603050405020304" charset="0"/>
               </a:rPr>
-              <a:t>find frequent itemsets </a:t>
-            </a:r>
-            <a:r>
-              <a:rPr lang="en-GB" sz="1800">
-                <a:latin typeface="Times New Roman" panose="02020603050405020304" charset="0"/>
-                <a:cs typeface="Times New Roman" panose="02020603050405020304" charset="0"/>
-              </a:rPr>
-              <a:t>then mine association rules from it  and save the results in an </a:t>
-            </a:r>
-            <a:r>
-              <a:rPr lang="en-US" altLang="en-GB" sz="1800">
-                <a:latin typeface="Times New Roman" panose="02020603050405020304" charset="0"/>
-                <a:cs typeface="Times New Roman" panose="02020603050405020304" charset="0"/>
-              </a:rPr>
-              <a:t>csv</a:t>
-            </a:r>
-            <a:r>
-              <a:rPr lang="en-GB" sz="1800">
-                <a:latin typeface="Times New Roman" panose="02020603050405020304" charset="0"/>
-                <a:cs typeface="Times New Roman" panose="02020603050405020304" charset="0"/>
-              </a:rPr>
-              <a:t> </a:t>
-            </a:r>
-            <a:r>
-              <a:rPr lang="en-US" altLang="en-GB" sz="1800">
-                <a:latin typeface="Times New Roman" panose="02020603050405020304" charset="0"/>
-                <a:cs typeface="Times New Roman" panose="02020603050405020304" charset="0"/>
-              </a:rPr>
-              <a:t>file</a:t>
+              <a:t>association_rules method of mlxtend library</a:t>
             </a:r>
             <a:r>
               <a:rPr lang="en-GB" sz="1800">
@@ -12479,13 +12057,51 @@
               </a:rPr>
               <a:t>.</a:t>
             </a:r>
+            <a:endParaRPr lang="en-GB" sz="1800">
+              <a:latin typeface="Times New Roman" panose="02020603050405020304" charset="0"/>
+              <a:cs typeface="Times New Roman" panose="02020603050405020304" charset="0"/>
+            </a:endParaRPr>
+          </a:p>
+          <a:p>
+            <a:pPr marL="285750" lvl="0" indent="-285750" algn="l" rtl="0">
+              <a:lnSpc>
+                <a:spcPct val="150000"/>
+              </a:lnSpc>
+              <a:spcBef>
+                <a:spcPts val="0"/>
+              </a:spcBef>
+              <a:spcAft>
+                <a:spcPts val="0"/>
+              </a:spcAft>
+              <a:buFont typeface="Wingdings" panose="05000000000000000000" charset="0"/>
+              <a:buChar char="v"/>
+            </a:pPr>
             <a:r>
-              <a:rPr lang="en-GB" sz="1600">
+              <a:rPr lang="en-US" altLang="en-GB" sz="1800">
                 <a:latin typeface="Times New Roman" panose="02020603050405020304" charset="0"/>
                 <a:cs typeface="Times New Roman" panose="02020603050405020304" charset="0"/>
               </a:rPr>
-              <a:t> </a:t>
+              <a:t>Make plot of the association rules using matplotlib.pyplot for better understanding of the mined data.</a:t>
             </a:r>
+            <a:endParaRPr lang="en-US" altLang="en-GB" sz="1800">
+              <a:latin typeface="Times New Roman" panose="02020603050405020304" charset="0"/>
+              <a:cs typeface="Times New Roman" panose="02020603050405020304" charset="0"/>
+            </a:endParaRPr>
+          </a:p>
+          <a:p>
+            <a:pPr marL="285750" lvl="0" indent="-285750" algn="l" rtl="0">
+              <a:lnSpc>
+                <a:spcPct val="150000"/>
+              </a:lnSpc>
+              <a:spcBef>
+                <a:spcPts val="1200"/>
+              </a:spcBef>
+              <a:spcAft>
+                <a:spcPts val="1200"/>
+              </a:spcAft>
+              <a:buFont typeface="Wingdings" panose="05000000000000000000" charset="0"/>
+              <a:buChar char="v"/>
+            </a:pPr>
             <a:endParaRPr lang="en-GB" sz="1600">
               <a:latin typeface="Times New Roman" panose="02020603050405020304" charset="0"/>
               <a:cs typeface="Times New Roman" panose="02020603050405020304" charset="0"/>
@@ -12927,60 +12543,96 @@
         </p:nvSpPr>
         <p:spPr>
           <a:xfrm>
-            <a:off x="807720" y="565785"/>
-            <a:ext cx="7517130" cy="3872865"/>
+            <a:off x="830580" y="658495"/>
+            <a:ext cx="7494270" cy="3780155"/>
           </a:xfrm>
         </p:spPr>
         <p:txBody>
           <a:bodyPr/>
           <a:p>
             <a:pPr>
-              <a:buSzPct val="160000"/>
-              <a:buFont typeface="Arial" panose="020B0604020202020204" pitchFamily="34" charset="0"/>
-              <a:buChar char="•"/>
+              <a:buFont typeface="Wingdings" panose="05000000000000000000" charset="0"/>
+              <a:buChar char="v"/>
             </a:pPr>
-            <a:endParaRPr lang="en-US" sz="1600">
+            <a:r>
+              <a:rPr lang="en-US" sz="1600" b="1">
+                <a:latin typeface="Times New Roman" panose="02020603050405020304" charset="0"/>
+                <a:cs typeface="Times New Roman" panose="02020603050405020304" charset="0"/>
+              </a:rPr>
+              <a:t>Algorithm Used : - </a:t>
+            </a:r>
+            <a:endParaRPr lang="en-US" sz="1600" b="1">
               <a:latin typeface="Times New Roman" panose="02020603050405020304" charset="0"/>
               <a:cs typeface="Times New Roman" panose="02020603050405020304" charset="0"/>
             </a:endParaRPr>
           </a:p>
           <a:p>
             <a:pPr>
-              <a:lnSpc>
-                <a:spcPct val="125000"/>
-              </a:lnSpc>
-              <a:buSzPct val="160000"/>
-              <a:buFont typeface="Arial" panose="020B0604020202020204" pitchFamily="34" charset="0"/>
-              <a:buChar char="•"/>
+              <a:buNone/>
             </a:pPr>
-            <a:endParaRPr lang="en-US" sz="1600">
+            <a:endParaRPr lang="en-US"/>
+          </a:p>
+          <a:p>
+            <a:pPr>
+              <a:buFont typeface="Wingdings" panose="05000000000000000000" charset="0"/>
+              <a:buChar char="Ø"/>
+            </a:pPr>
+            <a:r>
+              <a:rPr lang="en-US" sz="1600" b="1">
+                <a:latin typeface="Times New Roman" panose="02020603050405020304" charset="0"/>
+                <a:cs typeface="Times New Roman" panose="02020603050405020304" charset="0"/>
+              </a:rPr>
+              <a:t>Apriori Algorithm : -</a:t>
+            </a:r>
+            <a:endParaRPr lang="en-US" sz="1600" b="1">
               <a:latin typeface="Times New Roman" panose="02020603050405020304" charset="0"/>
               <a:cs typeface="Times New Roman" panose="02020603050405020304" charset="0"/>
             </a:endParaRPr>
           </a:p>
           <a:p>
             <a:pPr>
+              <a:buFont typeface="Wingdings" panose="05000000000000000000" charset="0"/>
+              <a:buChar char="Ø"/>
+            </a:pPr>
+            <a:endParaRPr lang="en-US" sz="1600" b="1">
+              <a:latin typeface="Times New Roman" panose="02020603050405020304" charset="0"/>
+              <a:cs typeface="Times New Roman" panose="02020603050405020304" charset="0"/>
+            </a:endParaRPr>
+          </a:p>
+          <a:p>
+            <a:pPr>
               <a:lnSpc>
-                <a:spcPct val="135000"/>
+                <a:spcPct val="150000"/>
               </a:lnSpc>
-              <a:buSzPct val="160000"/>
-              <a:buFont typeface="Arial" panose="020B0604020202020204" pitchFamily="34" charset="0"/>
-              <a:buChar char="•"/>
+              <a:buFont typeface="Wingdings" panose="05000000000000000000" charset="0"/>
+              <a:buChar char="ü"/>
             </a:pPr>
             <a:r>
               <a:rPr lang="en-US" sz="1600">
                 <a:latin typeface="Times New Roman" panose="02020603050405020304" charset="0"/>
                 <a:cs typeface="Times New Roman" panose="02020603050405020304" charset="0"/>
-                <a:sym typeface="+mn-ea"/>
               </a:rPr>
-              <a:t>Association rules are typically created from rules well-represented in data.</a:t>
+              <a:t>It is used for mining frequent itemsets .</a:t>
             </a:r>
+            <a:endParaRPr lang="en-US" sz="1600">
+              <a:latin typeface="Times New Roman" panose="02020603050405020304" charset="0"/>
+              <a:cs typeface="Times New Roman" panose="02020603050405020304" charset="0"/>
+            </a:endParaRPr>
+          </a:p>
+          <a:p>
+            <a:pPr>
+              <a:lnSpc>
+                <a:spcPct val="150000"/>
+              </a:lnSpc>
+              <a:buFont typeface="Wingdings" panose="05000000000000000000" charset="0"/>
+              <a:buChar char="ü"/>
+            </a:pPr>
             <a:r>
               <a:rPr lang="en-US" sz="1600">
                 <a:latin typeface="Times New Roman" panose="02020603050405020304" charset="0"/>
                 <a:cs typeface="Times New Roman" panose="02020603050405020304" charset="0"/>
               </a:rPr>
-              <a:t>If rules are built from analyzing all the possible itemsets, there could be so many rules that the rules hold little meaning. </a:t>
+              <a:t>It is used to operate on a database containing a lot of transactions, for instance, items brought by customers in a store.</a:t>
             </a:r>
             <a:endParaRPr lang="en-US" sz="1600">
               <a:latin typeface="Times New Roman" panose="02020603050405020304" charset="0"/>
@@ -13017,104 +12669,44 @@
         </p:nvSpPr>
         <p:spPr>
           <a:xfrm>
-            <a:off x="830580" y="658495"/>
-            <a:ext cx="7494270" cy="3780155"/>
+            <a:off x="830580" y="588645"/>
+            <a:ext cx="7494270" cy="3850005"/>
           </a:xfrm>
         </p:spPr>
         <p:txBody>
           <a:bodyPr/>
           <a:p>
-            <a:pPr>
-              <a:buFont typeface="Wingdings" panose="05000000000000000000" charset="0"/>
-              <a:buChar char="v"/>
-            </a:pPr>
-            <a:r>
-              <a:rPr lang="en-US" sz="1600" b="1">
-                <a:latin typeface="Times New Roman" panose="02020603050405020304" charset="0"/>
-                <a:cs typeface="Times New Roman" panose="02020603050405020304" charset="0"/>
-              </a:rPr>
-              <a:t>Algorithm Used : - </a:t>
-            </a:r>
-            <a:endParaRPr lang="en-US" sz="1600" b="1">
-              <a:latin typeface="Times New Roman" panose="02020603050405020304" charset="0"/>
-              <a:cs typeface="Times New Roman" panose="02020603050405020304" charset="0"/>
-            </a:endParaRPr>
-          </a:p>
-          <a:p>
-            <a:pPr>
+            <a:pPr marL="146050" indent="0">
               <a:buNone/>
             </a:pPr>
             <a:endParaRPr lang="en-US"/>
           </a:p>
-          <a:p>
-            <a:pPr>
-              <a:buFont typeface="Wingdings" panose="05000000000000000000" charset="0"/>
-              <a:buChar char="Ø"/>
-            </a:pPr>
-            <a:r>
-              <a:rPr lang="en-US" sz="1600" b="1">
-                <a:latin typeface="Times New Roman" panose="02020603050405020304" charset="0"/>
-                <a:cs typeface="Times New Roman" panose="02020603050405020304" charset="0"/>
-              </a:rPr>
-              <a:t>Apriori Algorithm : -</a:t>
-            </a:r>
-            <a:endParaRPr lang="en-US" sz="1600" b="1">
-              <a:latin typeface="Times New Roman" panose="02020603050405020304" charset="0"/>
-              <a:cs typeface="Times New Roman" panose="02020603050405020304" charset="0"/>
-            </a:endParaRPr>
-          </a:p>
-          <a:p>
-            <a:pPr>
-              <a:buFont typeface="Wingdings" panose="05000000000000000000" charset="0"/>
-              <a:buChar char="Ø"/>
-            </a:pPr>
-            <a:endParaRPr lang="en-US" sz="1600" b="1">
-              <a:latin typeface="Times New Roman" panose="02020603050405020304" charset="0"/>
-              <a:cs typeface="Times New Roman" panose="02020603050405020304" charset="0"/>
-            </a:endParaRPr>
-          </a:p>
-          <a:p>
-            <a:pPr>
-              <a:lnSpc>
-                <a:spcPct val="150000"/>
-              </a:lnSpc>
-              <a:buFont typeface="Wingdings" panose="05000000000000000000" charset="0"/>
-              <a:buChar char="ü"/>
-            </a:pPr>
-            <a:r>
-              <a:rPr lang="en-US" sz="1600">
-                <a:latin typeface="Times New Roman" panose="02020603050405020304" charset="0"/>
-                <a:cs typeface="Times New Roman" panose="02020603050405020304" charset="0"/>
-              </a:rPr>
-              <a:t>It is used for mining frequent itemsets .</a:t>
-            </a:r>
-            <a:endParaRPr lang="en-US" sz="1600">
-              <a:latin typeface="Times New Roman" panose="02020603050405020304" charset="0"/>
-              <a:cs typeface="Times New Roman" panose="02020603050405020304" charset="0"/>
-            </a:endParaRPr>
-          </a:p>
-          <a:p>
-            <a:pPr>
-              <a:lnSpc>
-                <a:spcPct val="150000"/>
-              </a:lnSpc>
-              <a:buFont typeface="Wingdings" panose="05000000000000000000" charset="0"/>
-              <a:buChar char="ü"/>
-            </a:pPr>
-            <a:r>
-              <a:rPr lang="en-US" sz="1600">
-                <a:latin typeface="Times New Roman" panose="02020603050405020304" charset="0"/>
-                <a:cs typeface="Times New Roman" panose="02020603050405020304" charset="0"/>
-              </a:rPr>
-              <a:t>It is used to operate on a database containing a lot of transactions, for instance, items brought by customers in a store.</a:t>
-            </a:r>
-            <a:endParaRPr lang="en-US" sz="1600">
-              <a:latin typeface="Times New Roman" panose="02020603050405020304" charset="0"/>
-              <a:cs typeface="Times New Roman" panose="02020603050405020304" charset="0"/>
-            </a:endParaRPr>
-          </a:p>
         </p:txBody>
       </p:sp>
+      <p:pic>
+        <p:nvPicPr>
+          <p:cNvPr id="4" name="Picture 3" descr="maxresdefault"/>
+          <p:cNvPicPr>
+            <a:picLocks noChangeAspect="1"/>
+          </p:cNvPicPr>
+          <p:nvPr/>
+        </p:nvPicPr>
+        <p:blipFill>
+          <a:blip r:embed="rId1"/>
+          <a:stretch>
+            <a:fillRect/>
+          </a:stretch>
+        </p:blipFill>
+        <p:spPr>
+          <a:xfrm>
+            <a:off x="0" y="0"/>
+            <a:ext cx="9144000" cy="5143500"/>
+          </a:xfrm>
+          <a:prstGeom prst="rect">
+            <a:avLst/>
+          </a:prstGeom>
+        </p:spPr>
+      </p:pic>
     </p:spTree>
   </p:cSld>
   <p:clrMapOvr>
@@ -13143,44 +12735,147 @@
         </p:nvSpPr>
         <p:spPr>
           <a:xfrm>
-            <a:off x="830580" y="588645"/>
-            <a:ext cx="7494270" cy="3850005"/>
+            <a:off x="796290" y="1051560"/>
+            <a:ext cx="7528560" cy="3387090"/>
           </a:xfrm>
         </p:spPr>
         <p:txBody>
-          <a:bodyPr/>
-          <a:p>
-            <a:pPr marL="146050" indent="0">
-              <a:buNone/>
+          <a:bodyPr>
+            <a:normAutofit lnSpcReduction="20000"/>
+          </a:bodyPr>
+          <a:p>
+            <a:pPr>
+              <a:buFont typeface="Wingdings" panose="05000000000000000000" charset="0"/>
+              <a:buChar char="v"/>
             </a:pPr>
-            <a:endParaRPr lang="en-US"/>
+            <a:r>
+              <a:rPr lang="en-US" sz="1800" b="1">
+                <a:latin typeface="Times New Roman" panose="02020603050405020304" charset="0"/>
+                <a:cs typeface="Times New Roman" panose="02020603050405020304" charset="0"/>
+              </a:rPr>
+              <a:t>Retail : -</a:t>
+            </a:r>
+            <a:r>
+              <a:rPr lang="en-US" sz="1800">
+                <a:latin typeface="Times New Roman" panose="02020603050405020304" charset="0"/>
+                <a:cs typeface="Times New Roman" panose="02020603050405020304" charset="0"/>
+              </a:rPr>
+              <a:t> Machine learning models can look for co-occurrence in this data to determine which products are most likely to be purchased together. The retailer can then adjust marketing and sales strategy to take advantage of this information</a:t>
+            </a:r>
+            <a:endParaRPr lang="en-US" sz="1800">
+              <a:latin typeface="Times New Roman" panose="02020603050405020304" charset="0"/>
+              <a:cs typeface="Times New Roman" panose="02020603050405020304" charset="0"/>
+            </a:endParaRPr>
+          </a:p>
+          <a:p>
+            <a:pPr>
+              <a:buFont typeface="Wingdings" panose="05000000000000000000" charset="0"/>
+              <a:buChar char="v"/>
+            </a:pPr>
+            <a:endParaRPr lang="en-US" sz="1800">
+              <a:latin typeface="Times New Roman" panose="02020603050405020304" charset="0"/>
+              <a:cs typeface="Times New Roman" panose="02020603050405020304" charset="0"/>
+            </a:endParaRPr>
+          </a:p>
+          <a:p>
+            <a:pPr>
+              <a:buFont typeface="Wingdings" panose="05000000000000000000" charset="0"/>
+              <a:buChar char="v"/>
+            </a:pPr>
+            <a:r>
+              <a:rPr lang="en-US" sz="1800" b="1">
+                <a:latin typeface="Times New Roman" panose="02020603050405020304" charset="0"/>
+                <a:cs typeface="Times New Roman" panose="02020603050405020304" charset="0"/>
+                <a:sym typeface="+mn-ea"/>
+              </a:rPr>
+              <a:t>Entertainment : - </a:t>
+            </a:r>
+            <a:r>
+              <a:rPr lang="en-US" sz="1800">
+                <a:latin typeface="Times New Roman" panose="02020603050405020304" charset="0"/>
+                <a:cs typeface="Times New Roman" panose="02020603050405020304" charset="0"/>
+                <a:sym typeface="+mn-ea"/>
+              </a:rPr>
+              <a:t>Machine learning models analyze past user behavior data for frequent patterns, develop association rules and use those rules to recommend content that a user is likely to engage with, or organize content in a way that is likely to put the most interesting content for a given user first.</a:t>
+            </a:r>
+            <a:endParaRPr lang="en-US" sz="1800">
+              <a:latin typeface="Times New Roman" panose="02020603050405020304" charset="0"/>
+              <a:cs typeface="Times New Roman" panose="02020603050405020304" charset="0"/>
+            </a:endParaRPr>
+          </a:p>
+          <a:p>
+            <a:pPr>
+              <a:buNone/>
+            </a:pPr>
+            <a:endParaRPr lang="en-US" sz="1800">
+              <a:latin typeface="Times New Roman" panose="02020603050405020304" charset="0"/>
+              <a:cs typeface="Times New Roman" panose="02020603050405020304" charset="0"/>
+            </a:endParaRPr>
           </a:p>
         </p:txBody>
       </p:sp>
-      <p:pic>
-        <p:nvPicPr>
-          <p:cNvPr id="4" name="Picture 3" descr="maxresdefault"/>
-          <p:cNvPicPr>
-            <a:picLocks noChangeAspect="1"/>
-          </p:cNvPicPr>
+      <p:sp>
+        <p:nvSpPr>
+          <p:cNvPr id="2" name="Rectangles 1"/>
+          <p:cNvSpPr/>
           <p:nvPr/>
-        </p:nvPicPr>
-        <p:blipFill>
-          <a:blip r:embed="rId1"/>
-          <a:stretch>
-            <a:fillRect/>
-          </a:stretch>
-        </p:blipFill>
+        </p:nvSpPr>
         <p:spPr>
           <a:xfrm>
-            <a:off x="0" y="0"/>
-            <a:ext cx="9144000" cy="5143500"/>
+            <a:off x="796290" y="379730"/>
+            <a:ext cx="7528560" cy="741680"/>
           </a:xfrm>
           <a:prstGeom prst="rect">
             <a:avLst/>
           </a:prstGeom>
+          <a:solidFill>
+            <a:schemeClr val="tx1"/>
+          </a:solidFill>
+          <a:ln>
+            <a:solidFill>
+              <a:schemeClr val="tx1"/>
+            </a:solidFill>
+          </a:ln>
         </p:spPr>
-      </p:pic>
+        <p:style>
+          <a:lnRef idx="2">
+            <a:schemeClr val="accent1">
+              <a:shade val="50000"/>
+            </a:schemeClr>
+          </a:lnRef>
+          <a:fillRef idx="1">
+            <a:schemeClr val="accent1"/>
+          </a:fillRef>
+          <a:effectRef idx="0">
+            <a:schemeClr val="accent1"/>
+          </a:effectRef>
+          <a:fontRef idx="minor">
+            <a:schemeClr val="lt1"/>
+          </a:fontRef>
+        </p:style>
+        <p:txBody>
+          <a:bodyPr rtlCol="0" anchor="ctr"/>
+          <a:p>
+            <a:pPr indent="0">
+              <a:buFont typeface="Wingdings" panose="05000000000000000000" charset="0"/>
+              <a:buNone/>
+            </a:pPr>
+            <a:r>
+              <a:rPr lang="en-US" sz="2200" b="1" i="1">
+                <a:latin typeface="Times New Roman" panose="02020603050405020304" charset="0"/>
+                <a:cs typeface="Times New Roman" panose="02020603050405020304" charset="0"/>
+                <a:sym typeface="+mn-ea"/>
+              </a:rPr>
+              <a:t>Below are a two real-world use cases for association rules : -</a:t>
+            </a:r>
+            <a:endParaRPr lang="en-US" sz="2200" b="1" i="1">
+              <a:latin typeface="Times New Roman" panose="02020603050405020304" charset="0"/>
+              <a:cs typeface="Times New Roman" panose="02020603050405020304" charset="0"/>
+              <a:sym typeface="+mn-ea"/>
+            </a:endParaRPr>
+          </a:p>
+        </p:txBody>
+      </p:sp>
     </p:spTree>
   </p:cSld>
   <p:clrMapOvr>
